--- a/Science Logic Demo 01.pptx
+++ b/Science Logic Demo 01.pptx
@@ -7,6 +7,20 @@
   <p:sldIdLst>
     <p:sldId id="256" r:id="rId2"/>
     <p:sldId id="257" r:id="rId3"/>
+    <p:sldId id="258" r:id="rId4"/>
+    <p:sldId id="259" r:id="rId5"/>
+    <p:sldId id="264" r:id="rId6"/>
+    <p:sldId id="265" r:id="rId7"/>
+    <p:sldId id="260" r:id="rId8"/>
+    <p:sldId id="266" r:id="rId9"/>
+    <p:sldId id="261" r:id="rId10"/>
+    <p:sldId id="269" r:id="rId11"/>
+    <p:sldId id="262" r:id="rId12"/>
+    <p:sldId id="267" r:id="rId13"/>
+    <p:sldId id="268" r:id="rId14"/>
+    <p:sldId id="263" r:id="rId15"/>
+    <p:sldId id="270" r:id="rId16"/>
+    <p:sldId id="271" r:id="rId17"/>
   </p:sldIdLst>
   <p:sldSz cx="12192000" cy="6858000"/>
   <p:notesSz cx="6858000" cy="9144000"/>
@@ -105,6 +119,11 @@
       </a:defRPr>
     </a:lvl9pPr>
   </p:defaultTextStyle>
+  <p:extLst>
+    <p:ext uri="{EFAFB233-063F-42B5-8137-9DF3F51BA10A}">
+      <p15:sldGuideLst xmlns:p15="http://schemas.microsoft.com/office/powerpoint/2012/main"/>
+    </p:ext>
+  </p:extLst>
 </p:presentation>
 </file>
 
@@ -278,7 +297,7 @@
           <a:p>
             <a:fld id="{48A87A34-81AB-432B-8DAE-1953F412C126}" type="datetimeFigureOut">
               <a:rPr lang="en-US" dirty="0"/>
-              <a:t>1/9/2020</a:t>
+              <a:t>1/11/2020</a:t>
             </a:fld>
             <a:endParaRPr lang="en-US" dirty="0"/>
           </a:p>
@@ -540,7 +559,7 @@
           <a:p>
             <a:fld id="{48A87A34-81AB-432B-8DAE-1953F412C126}" type="datetimeFigureOut">
               <a:rPr lang="en-US" dirty="0"/>
-              <a:t>1/9/2020</a:t>
+              <a:t>1/11/2020</a:t>
             </a:fld>
             <a:endParaRPr lang="en-US" dirty="0"/>
           </a:p>
@@ -767,7 +786,7 @@
             <a:fld id="{48A87A34-81AB-432B-8DAE-1953F412C126}" type="datetimeFigureOut">
               <a:rPr lang="en-US" dirty="0"/>
               <a:pPr/>
-              <a:t>1/9/2020</a:t>
+              <a:t>1/11/2020</a:t>
             </a:fld>
             <a:endParaRPr lang="en-US" dirty="0"/>
           </a:p>
@@ -1073,7 +1092,7 @@
             <a:fld id="{48A87A34-81AB-432B-8DAE-1953F412C126}" type="datetimeFigureOut">
               <a:rPr lang="en-US" dirty="0"/>
               <a:pPr/>
-              <a:t>1/9/2020</a:t>
+              <a:t>1/11/2020</a:t>
             </a:fld>
             <a:endParaRPr lang="en-US" dirty="0"/>
           </a:p>
@@ -1542,7 +1561,7 @@
             <a:fld id="{48A87A34-81AB-432B-8DAE-1953F412C126}" type="datetimeFigureOut">
               <a:rPr lang="en-US" dirty="0"/>
               <a:pPr/>
-              <a:t>1/9/2020</a:t>
+              <a:t>1/11/2020</a:t>
             </a:fld>
             <a:endParaRPr lang="en-US" dirty="0"/>
           </a:p>
@@ -2084,7 +2103,7 @@
           <a:p>
             <a:fld id="{48A87A34-81AB-432B-8DAE-1953F412C126}" type="datetimeFigureOut">
               <a:rPr lang="en-US" dirty="0"/>
-              <a:t>1/9/2020</a:t>
+              <a:t>1/11/2020</a:t>
             </a:fld>
             <a:endParaRPr lang="en-US" dirty="0"/>
           </a:p>
@@ -2853,7 +2872,7 @@
           <a:p>
             <a:fld id="{48A87A34-81AB-432B-8DAE-1953F412C126}" type="datetimeFigureOut">
               <a:rPr lang="en-US" dirty="0"/>
-              <a:t>1/9/2020</a:t>
+              <a:t>1/11/2020</a:t>
             </a:fld>
             <a:endParaRPr lang="en-US" dirty="0"/>
           </a:p>
@@ -3023,7 +3042,7 @@
           <a:p>
             <a:fld id="{48A87A34-81AB-432B-8DAE-1953F412C126}" type="datetimeFigureOut">
               <a:rPr lang="en-US" dirty="0"/>
-              <a:t>1/9/2020</a:t>
+              <a:t>1/11/2020</a:t>
             </a:fld>
             <a:endParaRPr lang="en-US" dirty="0"/>
           </a:p>
@@ -3242,7 +3261,7 @@
             <a:fld id="{48A87A34-81AB-432B-8DAE-1953F412C126}" type="datetimeFigureOut">
               <a:rPr lang="en-US" dirty="0"/>
               <a:pPr/>
-              <a:t>1/9/2020</a:t>
+              <a:t>1/11/2020</a:t>
             </a:fld>
             <a:endParaRPr lang="en-US" dirty="0"/>
           </a:p>
@@ -3417,7 +3436,7 @@
           <a:p>
             <a:fld id="{48A87A34-81AB-432B-8DAE-1953F412C126}" type="datetimeFigureOut">
               <a:rPr lang="en-US" dirty="0"/>
-              <a:t>1/9/2020</a:t>
+              <a:t>1/11/2020</a:t>
             </a:fld>
             <a:endParaRPr lang="en-US" dirty="0"/>
           </a:p>
@@ -3702,7 +3721,7 @@
             <a:fld id="{48A87A34-81AB-432B-8DAE-1953F412C126}" type="datetimeFigureOut">
               <a:rPr lang="en-US" dirty="0"/>
               <a:pPr/>
-              <a:t>1/9/2020</a:t>
+              <a:t>1/11/2020</a:t>
             </a:fld>
             <a:endParaRPr lang="en-US" dirty="0"/>
           </a:p>
@@ -3939,7 +3958,7 @@
           <a:p>
             <a:fld id="{48A87A34-81AB-432B-8DAE-1953F412C126}" type="datetimeFigureOut">
               <a:rPr lang="en-US" dirty="0"/>
-              <a:t>1/9/2020</a:t>
+              <a:t>1/11/2020</a:t>
             </a:fld>
             <a:endParaRPr lang="en-US" dirty="0"/>
           </a:p>
@@ -4313,7 +4332,7 @@
           <a:p>
             <a:fld id="{48A87A34-81AB-432B-8DAE-1953F412C126}" type="datetimeFigureOut">
               <a:rPr lang="en-US" dirty="0"/>
-              <a:t>1/9/2020</a:t>
+              <a:t>1/11/2020</a:t>
             </a:fld>
             <a:endParaRPr lang="en-US" dirty="0"/>
           </a:p>
@@ -4426,7 +4445,7 @@
           <a:p>
             <a:fld id="{48A87A34-81AB-432B-8DAE-1953F412C126}" type="datetimeFigureOut">
               <a:rPr lang="en-US" dirty="0"/>
-              <a:t>1/9/2020</a:t>
+              <a:t>1/11/2020</a:t>
             </a:fld>
             <a:endParaRPr lang="en-US" dirty="0"/>
           </a:p>
@@ -4516,7 +4535,7 @@
           <a:p>
             <a:fld id="{48A87A34-81AB-432B-8DAE-1953F412C126}" type="datetimeFigureOut">
               <a:rPr lang="en-US" dirty="0"/>
-              <a:t>1/9/2020</a:t>
+              <a:t>1/11/2020</a:t>
             </a:fld>
             <a:endParaRPr lang="en-US" dirty="0"/>
           </a:p>
@@ -4760,7 +4779,7 @@
           <a:p>
             <a:fld id="{48A87A34-81AB-432B-8DAE-1953F412C126}" type="datetimeFigureOut">
               <a:rPr lang="en-US" dirty="0"/>
-              <a:t>1/9/2020</a:t>
+              <a:t>1/11/2020</a:t>
             </a:fld>
             <a:endParaRPr lang="en-US" dirty="0"/>
           </a:p>
@@ -5012,7 +5031,7 @@
           <a:p>
             <a:fld id="{48A87A34-81AB-432B-8DAE-1953F412C126}" type="datetimeFigureOut">
               <a:rPr lang="en-US" dirty="0"/>
-              <a:t>1/9/2020</a:t>
+              <a:t>1/11/2020</a:t>
             </a:fld>
             <a:endParaRPr lang="en-US" dirty="0"/>
           </a:p>
@@ -5251,7 +5270,7 @@
             <a:fld id="{48A87A34-81AB-432B-8DAE-1953F412C126}" type="datetimeFigureOut">
               <a:rPr lang="en-US" dirty="0"/>
               <a:pPr/>
-              <a:t>1/9/2020</a:t>
+              <a:t>1/11/2020</a:t>
             </a:fld>
             <a:endParaRPr lang="en-US" dirty="0"/>
           </a:p>
@@ -5711,10 +5730,15 @@
             <p:ph type="subTitle" idx="1"/>
           </p:nvPr>
         </p:nvSpPr>
-        <p:spPr/>
+        <p:spPr>
+          <a:xfrm>
+            <a:off x="1371600" y="3632200"/>
+            <a:ext cx="9448800" cy="1505407"/>
+          </a:xfrm>
+        </p:spPr>
         <p:txBody>
           <a:bodyPr>
-            <a:normAutofit fontScale="92500" lnSpcReduction="10000"/>
+            <a:normAutofit lnSpcReduction="10000"/>
           </a:bodyPr>
           <a:lstStyle/>
           <a:p>
@@ -5727,6 +5751,15 @@
             <a:r>
               <a:rPr lang="en-US" dirty="0"/>
               <a:t>Dynamic Apps</a:t>
+            </a:r>
+          </a:p>
+          <a:p>
+            <a:endParaRPr lang="en-US" dirty="0"/>
+          </a:p>
+          <a:p>
+            <a:r>
+              <a:rPr lang="en-US" dirty="0"/>
+              <a:t>Raul Diez Canseco 				Christian Galarza</a:t>
             </a:r>
           </a:p>
         </p:txBody>
@@ -5735,6 +5768,839 @@
     <p:extLst>
       <p:ext uri="{BB962C8B-B14F-4D97-AF65-F5344CB8AC3E}">
         <p14:creationId xmlns:p14="http://schemas.microsoft.com/office/powerpoint/2010/main" val="177851313"/>
+      </p:ext>
+    </p:extLst>
+  </p:cSld>
+  <p:clrMapOvr>
+    <a:masterClrMapping/>
+  </p:clrMapOvr>
+</p:sld>
+</file>
+
+<file path=ppt/slides/slide10.xml><?xml version="1.0" encoding="utf-8"?>
+<p:sld xmlns:a="http://schemas.openxmlformats.org/drawingml/2006/main" xmlns:r="http://schemas.openxmlformats.org/officeDocument/2006/relationships" xmlns:p="http://schemas.openxmlformats.org/presentationml/2006/main">
+  <p:cSld>
+    <p:spTree>
+      <p:nvGrpSpPr>
+        <p:cNvPr id="1" name=""/>
+        <p:cNvGrpSpPr/>
+        <p:nvPr/>
+      </p:nvGrpSpPr>
+      <p:grpSpPr>
+        <a:xfrm>
+          <a:off x="0" y="0"/>
+          <a:ext cx="0" cy="0"/>
+          <a:chOff x="0" y="0"/>
+          <a:chExt cx="0" cy="0"/>
+        </a:xfrm>
+      </p:grpSpPr>
+      <p:sp>
+        <p:nvSpPr>
+          <p:cNvPr id="2" name="Title 1">
+            <a:extLst>
+              <a:ext uri="{FF2B5EF4-FFF2-40B4-BE49-F238E27FC236}">
+                <a16:creationId xmlns:a16="http://schemas.microsoft.com/office/drawing/2014/main" id="{395B1A56-901E-4281-A003-9E60919FC92C}"/>
+              </a:ext>
+            </a:extLst>
+          </p:cNvPr>
+          <p:cNvSpPr>
+            <a:spLocks noGrp="1"/>
+          </p:cNvSpPr>
+          <p:nvPr>
+            <p:ph type="title"/>
+          </p:nvPr>
+        </p:nvSpPr>
+        <p:spPr/>
+        <p:txBody>
+          <a:bodyPr/>
+          <a:lstStyle/>
+          <a:p>
+            <a:r>
+              <a:rPr lang="es-ES" dirty="0"/>
+              <a:t>Windows Server </a:t>
+            </a:r>
+            <a:r>
+              <a:rPr lang="es-ES" dirty="0" err="1"/>
+              <a:t>Power</a:t>
+            </a:r>
+            <a:r>
+              <a:rPr lang="es-ES" dirty="0"/>
+              <a:t> Pack</a:t>
+            </a:r>
+            <a:endParaRPr lang="en-US" dirty="0"/>
+          </a:p>
+        </p:txBody>
+      </p:sp>
+      <p:sp>
+        <p:nvSpPr>
+          <p:cNvPr id="3" name="Content Placeholder 2">
+            <a:extLst>
+              <a:ext uri="{FF2B5EF4-FFF2-40B4-BE49-F238E27FC236}">
+                <a16:creationId xmlns:a16="http://schemas.microsoft.com/office/drawing/2014/main" id="{18677A2D-3E53-4070-B035-8313E37AD78A}"/>
+              </a:ext>
+            </a:extLst>
+          </p:cNvPr>
+          <p:cNvSpPr>
+            <a:spLocks noGrp="1"/>
+          </p:cNvSpPr>
+          <p:nvPr>
+            <p:ph idx="1"/>
+          </p:nvPr>
+        </p:nvSpPr>
+        <p:spPr/>
+        <p:txBody>
+          <a:bodyPr/>
+          <a:lstStyle/>
+          <a:p>
+            <a:pPr lvl="1"/>
+            <a:endParaRPr lang="en-US" dirty="0"/>
+          </a:p>
+        </p:txBody>
+      </p:sp>
+    </p:spTree>
+    <p:extLst>
+      <p:ext uri="{BB962C8B-B14F-4D97-AF65-F5344CB8AC3E}">
+        <p14:creationId xmlns:p14="http://schemas.microsoft.com/office/powerpoint/2010/main" val="2462324874"/>
+      </p:ext>
+    </p:extLst>
+  </p:cSld>
+  <p:clrMapOvr>
+    <a:masterClrMapping/>
+  </p:clrMapOvr>
+</p:sld>
+</file>
+
+<file path=ppt/slides/slide11.xml><?xml version="1.0" encoding="utf-8"?>
+<p:sld xmlns:a="http://schemas.openxmlformats.org/drawingml/2006/main" xmlns:r="http://schemas.openxmlformats.org/officeDocument/2006/relationships" xmlns:p="http://schemas.openxmlformats.org/presentationml/2006/main">
+  <p:cSld>
+    <p:spTree>
+      <p:nvGrpSpPr>
+        <p:cNvPr id="1" name=""/>
+        <p:cNvGrpSpPr/>
+        <p:nvPr/>
+      </p:nvGrpSpPr>
+      <p:grpSpPr>
+        <a:xfrm>
+          <a:off x="0" y="0"/>
+          <a:ext cx="0" cy="0"/>
+          <a:chOff x="0" y="0"/>
+          <a:chExt cx="0" cy="0"/>
+        </a:xfrm>
+      </p:grpSpPr>
+      <p:sp>
+        <p:nvSpPr>
+          <p:cNvPr id="2" name="Title 1">
+            <a:extLst>
+              <a:ext uri="{FF2B5EF4-FFF2-40B4-BE49-F238E27FC236}">
+                <a16:creationId xmlns:a16="http://schemas.microsoft.com/office/drawing/2014/main" id="{E96A86C9-6471-4C1D-84B2-3A71A7F6A311}"/>
+              </a:ext>
+            </a:extLst>
+          </p:cNvPr>
+          <p:cNvSpPr>
+            <a:spLocks noGrp="1"/>
+          </p:cNvSpPr>
+          <p:nvPr>
+            <p:ph type="title"/>
+          </p:nvPr>
+        </p:nvSpPr>
+        <p:spPr/>
+        <p:txBody>
+          <a:bodyPr/>
+          <a:lstStyle/>
+          <a:p>
+            <a:r>
+              <a:rPr lang="es-ES" dirty="0"/>
+              <a:t>Windows Server </a:t>
+            </a:r>
+            <a:r>
+              <a:rPr lang="es-ES" dirty="0" err="1"/>
+              <a:t>Power</a:t>
+            </a:r>
+            <a:r>
+              <a:rPr lang="es-ES" dirty="0"/>
+              <a:t> Pack</a:t>
+            </a:r>
+            <a:endParaRPr lang="en-US" dirty="0"/>
+          </a:p>
+        </p:txBody>
+      </p:sp>
+      <p:sp>
+        <p:nvSpPr>
+          <p:cNvPr id="3" name="Content Placeholder 2">
+            <a:extLst>
+              <a:ext uri="{FF2B5EF4-FFF2-40B4-BE49-F238E27FC236}">
+                <a16:creationId xmlns:a16="http://schemas.microsoft.com/office/drawing/2014/main" id="{ADBC5BBA-AC2E-4E25-8459-E10AB969A459}"/>
+              </a:ext>
+            </a:extLst>
+          </p:cNvPr>
+          <p:cNvSpPr>
+            <a:spLocks noGrp="1"/>
+          </p:cNvSpPr>
+          <p:nvPr>
+            <p:ph idx="1"/>
+          </p:nvPr>
+        </p:nvSpPr>
+        <p:spPr/>
+        <p:txBody>
+          <a:bodyPr/>
+          <a:lstStyle/>
+          <a:p>
+            <a:r>
+              <a:rPr lang="es-ES" dirty="0"/>
+              <a:t>Windows Server PowerPack</a:t>
+            </a:r>
+            <a:endParaRPr lang="en-US" dirty="0"/>
+          </a:p>
+        </p:txBody>
+      </p:sp>
+      <p:pic>
+        <p:nvPicPr>
+          <p:cNvPr id="4" name="Picture 3">
+            <a:extLst>
+              <a:ext uri="{FF2B5EF4-FFF2-40B4-BE49-F238E27FC236}">
+                <a16:creationId xmlns:a16="http://schemas.microsoft.com/office/drawing/2014/main" id="{24E1C34A-0C4C-4AD6-B22F-7CCE4FD167F3}"/>
+              </a:ext>
+            </a:extLst>
+          </p:cNvPr>
+          <p:cNvPicPr>
+            <a:picLocks noChangeAspect="1"/>
+          </p:cNvPicPr>
+          <p:nvPr/>
+        </p:nvPicPr>
+        <p:blipFill rotWithShape="1">
+          <a:blip r:embed="rId2"/>
+          <a:srcRect l="13051" t="13472" b="68000"/>
+          <a:stretch/>
+        </p:blipFill>
+        <p:spPr>
+          <a:xfrm>
+            <a:off x="1672046" y="2656523"/>
+            <a:ext cx="8217674" cy="1270636"/>
+          </a:xfrm>
+          <a:prstGeom prst="rect">
+            <a:avLst/>
+          </a:prstGeom>
+        </p:spPr>
+      </p:pic>
+      <p:pic>
+        <p:nvPicPr>
+          <p:cNvPr id="5" name="Picture 4">
+            <a:extLst>
+              <a:ext uri="{FF2B5EF4-FFF2-40B4-BE49-F238E27FC236}">
+                <a16:creationId xmlns:a16="http://schemas.microsoft.com/office/drawing/2014/main" id="{E028D898-A691-4B69-B86C-7E4310BCDE29}"/>
+              </a:ext>
+            </a:extLst>
+          </p:cNvPr>
+          <p:cNvPicPr>
+            <a:picLocks noChangeAspect="1"/>
+          </p:cNvPicPr>
+          <p:nvPr/>
+        </p:nvPicPr>
+        <p:blipFill rotWithShape="1">
+          <a:blip r:embed="rId3"/>
+          <a:srcRect l="15167" t="13972" r="970" b="46713"/>
+          <a:stretch/>
+        </p:blipFill>
+        <p:spPr>
+          <a:xfrm>
+            <a:off x="1301658" y="4012066"/>
+            <a:ext cx="9218296" cy="2525758"/>
+          </a:xfrm>
+          <a:prstGeom prst="rect">
+            <a:avLst/>
+          </a:prstGeom>
+        </p:spPr>
+      </p:pic>
+    </p:spTree>
+    <p:extLst>
+      <p:ext uri="{BB962C8B-B14F-4D97-AF65-F5344CB8AC3E}">
+        <p14:creationId xmlns:p14="http://schemas.microsoft.com/office/powerpoint/2010/main" val="1519948254"/>
+      </p:ext>
+    </p:extLst>
+  </p:cSld>
+  <p:clrMapOvr>
+    <a:masterClrMapping/>
+  </p:clrMapOvr>
+</p:sld>
+</file>
+
+<file path=ppt/slides/slide12.xml><?xml version="1.0" encoding="utf-8"?>
+<p:sld xmlns:a="http://schemas.openxmlformats.org/drawingml/2006/main" xmlns:r="http://schemas.openxmlformats.org/officeDocument/2006/relationships" xmlns:p="http://schemas.openxmlformats.org/presentationml/2006/main">
+  <p:cSld>
+    <p:spTree>
+      <p:nvGrpSpPr>
+        <p:cNvPr id="1" name=""/>
+        <p:cNvGrpSpPr/>
+        <p:nvPr/>
+      </p:nvGrpSpPr>
+      <p:grpSpPr>
+        <a:xfrm>
+          <a:off x="0" y="0"/>
+          <a:ext cx="0" cy="0"/>
+          <a:chOff x="0" y="0"/>
+          <a:chExt cx="0" cy="0"/>
+        </a:xfrm>
+      </p:grpSpPr>
+      <p:sp>
+        <p:nvSpPr>
+          <p:cNvPr id="2" name="Title 1">
+            <a:extLst>
+              <a:ext uri="{FF2B5EF4-FFF2-40B4-BE49-F238E27FC236}">
+                <a16:creationId xmlns:a16="http://schemas.microsoft.com/office/drawing/2014/main" id="{E4EE75C8-5E04-44BD-AB8E-1F18C8EA55E4}"/>
+              </a:ext>
+            </a:extLst>
+          </p:cNvPr>
+          <p:cNvSpPr>
+            <a:spLocks noGrp="1"/>
+          </p:cNvSpPr>
+          <p:nvPr>
+            <p:ph type="title"/>
+          </p:nvPr>
+        </p:nvSpPr>
+        <p:spPr/>
+        <p:txBody>
+          <a:bodyPr/>
+          <a:lstStyle/>
+          <a:p>
+            <a:r>
+              <a:rPr lang="es-ES" dirty="0" err="1"/>
+              <a:t>Collection</a:t>
+            </a:r>
+            <a:r>
+              <a:rPr lang="es-ES" dirty="0"/>
+              <a:t> </a:t>
+            </a:r>
+            <a:r>
+              <a:rPr lang="es-ES" dirty="0" err="1"/>
+              <a:t>objects</a:t>
+            </a:r>
+            <a:endParaRPr lang="en-US" dirty="0"/>
+          </a:p>
+        </p:txBody>
+      </p:sp>
+      <p:pic>
+        <p:nvPicPr>
+          <p:cNvPr id="7" name="Content Placeholder 6">
+            <a:extLst>
+              <a:ext uri="{FF2B5EF4-FFF2-40B4-BE49-F238E27FC236}">
+                <a16:creationId xmlns:a16="http://schemas.microsoft.com/office/drawing/2014/main" id="{11961FCC-2AD2-4464-8E26-7526F076C985}"/>
+              </a:ext>
+            </a:extLst>
+          </p:cNvPr>
+          <p:cNvPicPr>
+            <a:picLocks noGrp="1" noChangeAspect="1"/>
+          </p:cNvPicPr>
+          <p:nvPr>
+            <p:ph idx="1"/>
+          </p:nvPr>
+        </p:nvPicPr>
+        <p:blipFill rotWithShape="1">
+          <a:blip r:embed="rId2"/>
+          <a:srcRect t="7732"/>
+          <a:stretch/>
+        </p:blipFill>
+        <p:spPr>
+          <a:xfrm>
+            <a:off x="685800" y="1721304"/>
+            <a:ext cx="7040140" cy="5046444"/>
+          </a:xfrm>
+          <a:prstGeom prst="rect">
+            <a:avLst/>
+          </a:prstGeom>
+        </p:spPr>
+      </p:pic>
+    </p:spTree>
+    <p:extLst>
+      <p:ext uri="{BB962C8B-B14F-4D97-AF65-F5344CB8AC3E}">
+        <p14:creationId xmlns:p14="http://schemas.microsoft.com/office/powerpoint/2010/main" val="1174094327"/>
+      </p:ext>
+    </p:extLst>
+  </p:cSld>
+  <p:clrMapOvr>
+    <a:masterClrMapping/>
+  </p:clrMapOvr>
+</p:sld>
+</file>
+
+<file path=ppt/slides/slide13.xml><?xml version="1.0" encoding="utf-8"?>
+<p:sld xmlns:a="http://schemas.openxmlformats.org/drawingml/2006/main" xmlns:r="http://schemas.openxmlformats.org/officeDocument/2006/relationships" xmlns:p="http://schemas.openxmlformats.org/presentationml/2006/main">
+  <p:cSld>
+    <p:spTree>
+      <p:nvGrpSpPr>
+        <p:cNvPr id="1" name=""/>
+        <p:cNvGrpSpPr/>
+        <p:nvPr/>
+      </p:nvGrpSpPr>
+      <p:grpSpPr>
+        <a:xfrm>
+          <a:off x="0" y="0"/>
+          <a:ext cx="0" cy="0"/>
+          <a:chOff x="0" y="0"/>
+          <a:chExt cx="0" cy="0"/>
+        </a:xfrm>
+      </p:grpSpPr>
+      <p:sp>
+        <p:nvSpPr>
+          <p:cNvPr id="2" name="Title 1">
+            <a:extLst>
+              <a:ext uri="{FF2B5EF4-FFF2-40B4-BE49-F238E27FC236}">
+                <a16:creationId xmlns:a16="http://schemas.microsoft.com/office/drawing/2014/main" id="{0C123CA4-AC74-402D-9DA6-031312B128E0}"/>
+              </a:ext>
+            </a:extLst>
+          </p:cNvPr>
+          <p:cNvSpPr>
+            <a:spLocks noGrp="1"/>
+          </p:cNvSpPr>
+          <p:nvPr>
+            <p:ph type="title"/>
+          </p:nvPr>
+        </p:nvSpPr>
+        <p:spPr/>
+        <p:txBody>
+          <a:bodyPr/>
+          <a:lstStyle/>
+          <a:p>
+            <a:r>
+              <a:rPr lang="es-ES" dirty="0" err="1"/>
+              <a:t>Snippels</a:t>
+            </a:r>
+            <a:endParaRPr lang="en-US" dirty="0"/>
+          </a:p>
+        </p:txBody>
+      </p:sp>
+      <p:pic>
+        <p:nvPicPr>
+          <p:cNvPr id="4" name="Content Placeholder 3">
+            <a:extLst>
+              <a:ext uri="{FF2B5EF4-FFF2-40B4-BE49-F238E27FC236}">
+                <a16:creationId xmlns:a16="http://schemas.microsoft.com/office/drawing/2014/main" id="{AB86E6CB-CEBD-4681-AEFB-92A1C7654FF0}"/>
+              </a:ext>
+            </a:extLst>
+          </p:cNvPr>
+          <p:cNvPicPr>
+            <a:picLocks noGrp="1" noChangeAspect="1"/>
+          </p:cNvPicPr>
+          <p:nvPr>
+            <p:ph idx="1"/>
+          </p:nvPr>
+        </p:nvPicPr>
+        <p:blipFill rotWithShape="1">
+          <a:blip r:embed="rId2"/>
+          <a:srcRect t="7732"/>
+          <a:stretch/>
+        </p:blipFill>
+        <p:spPr>
+          <a:xfrm>
+            <a:off x="2550339" y="1820091"/>
+            <a:ext cx="6937115" cy="4972595"/>
+          </a:xfrm>
+          <a:prstGeom prst="rect">
+            <a:avLst/>
+          </a:prstGeom>
+        </p:spPr>
+      </p:pic>
+    </p:spTree>
+    <p:extLst>
+      <p:ext uri="{BB962C8B-B14F-4D97-AF65-F5344CB8AC3E}">
+        <p14:creationId xmlns:p14="http://schemas.microsoft.com/office/powerpoint/2010/main" val="3644496115"/>
+      </p:ext>
+    </p:extLst>
+  </p:cSld>
+  <p:clrMapOvr>
+    <a:masterClrMapping/>
+  </p:clrMapOvr>
+</p:sld>
+</file>
+
+<file path=ppt/slides/slide14.xml><?xml version="1.0" encoding="utf-8"?>
+<p:sld xmlns:a="http://schemas.openxmlformats.org/drawingml/2006/main" xmlns:r="http://schemas.openxmlformats.org/officeDocument/2006/relationships" xmlns:p="http://schemas.openxmlformats.org/presentationml/2006/main">
+  <p:cSld>
+    <p:spTree>
+      <p:nvGrpSpPr>
+        <p:cNvPr id="1" name=""/>
+        <p:cNvGrpSpPr/>
+        <p:nvPr/>
+      </p:nvGrpSpPr>
+      <p:grpSpPr>
+        <a:xfrm>
+          <a:off x="0" y="0"/>
+          <a:ext cx="0" cy="0"/>
+          <a:chOff x="0" y="0"/>
+          <a:chExt cx="0" cy="0"/>
+        </a:xfrm>
+      </p:grpSpPr>
+      <p:sp>
+        <p:nvSpPr>
+          <p:cNvPr id="2" name="Title 1">
+            <a:extLst>
+              <a:ext uri="{FF2B5EF4-FFF2-40B4-BE49-F238E27FC236}">
+                <a16:creationId xmlns:a16="http://schemas.microsoft.com/office/drawing/2014/main" id="{9B1CA5FF-24D0-4262-B860-C38518BF5694}"/>
+              </a:ext>
+            </a:extLst>
+          </p:cNvPr>
+          <p:cNvSpPr>
+            <a:spLocks noGrp="1"/>
+          </p:cNvSpPr>
+          <p:nvPr>
+            <p:ph type="title"/>
+          </p:nvPr>
+        </p:nvSpPr>
+        <p:spPr/>
+        <p:txBody>
+          <a:bodyPr/>
+          <a:lstStyle/>
+          <a:p>
+            <a:r>
+              <a:rPr lang="es-ES" dirty="0"/>
+              <a:t>Dynamics </a:t>
+            </a:r>
+            <a:r>
+              <a:rPr lang="es-ES" dirty="0" err="1"/>
+              <a:t>Applications</a:t>
+            </a:r>
+            <a:endParaRPr lang="en-US" dirty="0"/>
+          </a:p>
+        </p:txBody>
+      </p:sp>
+      <p:sp>
+        <p:nvSpPr>
+          <p:cNvPr id="4" name="Content Placeholder 3">
+            <a:extLst>
+              <a:ext uri="{FF2B5EF4-FFF2-40B4-BE49-F238E27FC236}">
+                <a16:creationId xmlns:a16="http://schemas.microsoft.com/office/drawing/2014/main" id="{F6A6D0BA-C946-42A0-BBBB-A53E24F3C4F7}"/>
+              </a:ext>
+            </a:extLst>
+          </p:cNvPr>
+          <p:cNvSpPr>
+            <a:spLocks noGrp="1"/>
+          </p:cNvSpPr>
+          <p:nvPr>
+            <p:ph sz="half" idx="1"/>
+          </p:nvPr>
+        </p:nvSpPr>
+        <p:spPr/>
+        <p:txBody>
+          <a:bodyPr>
+            <a:normAutofit/>
+          </a:bodyPr>
+          <a:lstStyle/>
+          <a:p>
+            <a:r>
+              <a:rPr lang="es-ES" dirty="0" err="1"/>
+              <a:t>Archetypes</a:t>
+            </a:r>
+            <a:endParaRPr lang="es-ES" dirty="0"/>
+          </a:p>
+          <a:p>
+            <a:pPr lvl="1"/>
+            <a:r>
+              <a:rPr lang="en-US" dirty="0"/>
+              <a:t>Performance</a:t>
+            </a:r>
+          </a:p>
+          <a:p>
+            <a:pPr lvl="1"/>
+            <a:r>
+              <a:rPr lang="en-US" dirty="0"/>
+              <a:t>Configuration</a:t>
+            </a:r>
+          </a:p>
+          <a:p>
+            <a:pPr lvl="1"/>
+            <a:r>
+              <a:rPr lang="en-US" dirty="0"/>
+              <a:t>Journal</a:t>
+            </a:r>
+          </a:p>
+          <a:p>
+            <a:endParaRPr lang="en-US" dirty="0"/>
+          </a:p>
+        </p:txBody>
+      </p:sp>
+      <p:sp>
+        <p:nvSpPr>
+          <p:cNvPr id="5" name="Content Placeholder 4">
+            <a:extLst>
+              <a:ext uri="{FF2B5EF4-FFF2-40B4-BE49-F238E27FC236}">
+                <a16:creationId xmlns:a16="http://schemas.microsoft.com/office/drawing/2014/main" id="{A599CCB9-8FEC-4915-8646-69F20CD269AE}"/>
+              </a:ext>
+            </a:extLst>
+          </p:cNvPr>
+          <p:cNvSpPr>
+            <a:spLocks noGrp="1"/>
+          </p:cNvSpPr>
+          <p:nvPr>
+            <p:ph sz="half" idx="2"/>
+          </p:nvPr>
+        </p:nvSpPr>
+        <p:spPr/>
+        <p:txBody>
+          <a:bodyPr>
+            <a:normAutofit/>
+          </a:bodyPr>
+          <a:lstStyle/>
+          <a:p>
+            <a:r>
+              <a:rPr lang="en-US" dirty="0"/>
+              <a:t>Protocols</a:t>
+            </a:r>
+          </a:p>
+          <a:p>
+            <a:pPr lvl="1"/>
+            <a:r>
+              <a:rPr lang="en-US" dirty="0"/>
+              <a:t>Bulk Snippet</a:t>
+            </a:r>
+          </a:p>
+          <a:p>
+            <a:pPr lvl="1"/>
+            <a:r>
+              <a:rPr lang="en-US" dirty="0"/>
+              <a:t>Database</a:t>
+            </a:r>
+          </a:p>
+          <a:p>
+            <a:pPr lvl="1"/>
+            <a:r>
+              <a:rPr lang="en-US" dirty="0"/>
+              <a:t>Internal Collection</a:t>
+            </a:r>
+          </a:p>
+          <a:p>
+            <a:pPr lvl="1"/>
+            <a:r>
+              <a:rPr lang="en-US" dirty="0"/>
+              <a:t>PowerShell</a:t>
+            </a:r>
+          </a:p>
+          <a:p>
+            <a:pPr lvl="1"/>
+            <a:r>
+              <a:rPr lang="en-US" dirty="0"/>
+              <a:t>Snippet</a:t>
+            </a:r>
+          </a:p>
+          <a:p>
+            <a:pPr lvl="1"/>
+            <a:r>
+              <a:rPr lang="en-US" dirty="0"/>
+              <a:t>SNMP</a:t>
+            </a:r>
+          </a:p>
+          <a:p>
+            <a:pPr lvl="1"/>
+            <a:r>
+              <a:rPr lang="en-US" dirty="0"/>
+              <a:t>SOAP</a:t>
+            </a:r>
+          </a:p>
+          <a:p>
+            <a:pPr lvl="1"/>
+            <a:r>
+              <a:rPr lang="en-US" dirty="0"/>
+              <a:t>WMI</a:t>
+            </a:r>
+          </a:p>
+          <a:p>
+            <a:pPr lvl="1"/>
+            <a:r>
+              <a:rPr lang="en-US" dirty="0"/>
+              <a:t>XML</a:t>
+            </a:r>
+          </a:p>
+          <a:p>
+            <a:pPr lvl="1"/>
+            <a:r>
+              <a:rPr lang="en-US" dirty="0"/>
+              <a:t>XSLT</a:t>
+            </a:r>
+          </a:p>
+        </p:txBody>
+      </p:sp>
+    </p:spTree>
+    <p:extLst>
+      <p:ext uri="{BB962C8B-B14F-4D97-AF65-F5344CB8AC3E}">
+        <p14:creationId xmlns:p14="http://schemas.microsoft.com/office/powerpoint/2010/main" val="1203411656"/>
+      </p:ext>
+    </p:extLst>
+  </p:cSld>
+  <p:clrMapOvr>
+    <a:masterClrMapping/>
+  </p:clrMapOvr>
+</p:sld>
+</file>
+
+<file path=ppt/slides/slide15.xml><?xml version="1.0" encoding="utf-8"?>
+<p:sld xmlns:a="http://schemas.openxmlformats.org/drawingml/2006/main" xmlns:r="http://schemas.openxmlformats.org/officeDocument/2006/relationships" xmlns:p="http://schemas.openxmlformats.org/presentationml/2006/main">
+  <p:cSld>
+    <p:spTree>
+      <p:nvGrpSpPr>
+        <p:cNvPr id="1" name=""/>
+        <p:cNvGrpSpPr/>
+        <p:nvPr/>
+      </p:nvGrpSpPr>
+      <p:grpSpPr>
+        <a:xfrm>
+          <a:off x="0" y="0"/>
+          <a:ext cx="0" cy="0"/>
+          <a:chOff x="0" y="0"/>
+          <a:chExt cx="0" cy="0"/>
+        </a:xfrm>
+      </p:grpSpPr>
+      <p:sp>
+        <p:nvSpPr>
+          <p:cNvPr id="2" name="Title 1">
+            <a:extLst>
+              <a:ext uri="{FF2B5EF4-FFF2-40B4-BE49-F238E27FC236}">
+                <a16:creationId xmlns:a16="http://schemas.microsoft.com/office/drawing/2014/main" id="{FFADEEEE-FCBB-42ED-B28E-19CE8968AF45}"/>
+              </a:ext>
+            </a:extLst>
+          </p:cNvPr>
+          <p:cNvSpPr>
+            <a:spLocks noGrp="1"/>
+          </p:cNvSpPr>
+          <p:nvPr>
+            <p:ph type="title"/>
+          </p:nvPr>
+        </p:nvSpPr>
+        <p:spPr/>
+        <p:txBody>
+          <a:bodyPr/>
+          <a:lstStyle/>
+          <a:p>
+            <a:r>
+              <a:rPr lang="es-ES" dirty="0"/>
+              <a:t>Dynamics </a:t>
+            </a:r>
+            <a:r>
+              <a:rPr lang="es-ES" dirty="0" err="1"/>
+              <a:t>Applications</a:t>
+            </a:r>
+            <a:endParaRPr lang="en-US" dirty="0"/>
+          </a:p>
+        </p:txBody>
+      </p:sp>
+      <p:pic>
+        <p:nvPicPr>
+          <p:cNvPr id="4" name="Content Placeholder 3">
+            <a:extLst>
+              <a:ext uri="{FF2B5EF4-FFF2-40B4-BE49-F238E27FC236}">
+                <a16:creationId xmlns:a16="http://schemas.microsoft.com/office/drawing/2014/main" id="{03C0B48C-BBE4-41B1-A4B2-F83C013C4A16}"/>
+              </a:ext>
+            </a:extLst>
+          </p:cNvPr>
+          <p:cNvPicPr>
+            <a:picLocks noGrp="1" noChangeAspect="1"/>
+          </p:cNvPicPr>
+          <p:nvPr>
+            <p:ph idx="1"/>
+          </p:nvPr>
+        </p:nvPicPr>
+        <p:blipFill rotWithShape="1">
+          <a:blip r:embed="rId2"/>
+          <a:srcRect t="7022"/>
+          <a:stretch/>
+        </p:blipFill>
+        <p:spPr>
+          <a:xfrm>
+            <a:off x="2165754" y="1741714"/>
+            <a:ext cx="6654612" cy="4816158"/>
+          </a:xfrm>
+          <a:prstGeom prst="rect">
+            <a:avLst/>
+          </a:prstGeom>
+        </p:spPr>
+      </p:pic>
+    </p:spTree>
+    <p:extLst>
+      <p:ext uri="{BB962C8B-B14F-4D97-AF65-F5344CB8AC3E}">
+        <p14:creationId xmlns:p14="http://schemas.microsoft.com/office/powerpoint/2010/main" val="2036559767"/>
+      </p:ext>
+    </p:extLst>
+  </p:cSld>
+  <p:clrMapOvr>
+    <a:masterClrMapping/>
+  </p:clrMapOvr>
+</p:sld>
+</file>
+
+<file path=ppt/slides/slide16.xml><?xml version="1.0" encoding="utf-8"?>
+<p:sld xmlns:a="http://schemas.openxmlformats.org/drawingml/2006/main" xmlns:r="http://schemas.openxmlformats.org/officeDocument/2006/relationships" xmlns:p="http://schemas.openxmlformats.org/presentationml/2006/main">
+  <p:cSld>
+    <p:spTree>
+      <p:nvGrpSpPr>
+        <p:cNvPr id="1" name=""/>
+        <p:cNvGrpSpPr/>
+        <p:nvPr/>
+      </p:nvGrpSpPr>
+      <p:grpSpPr>
+        <a:xfrm>
+          <a:off x="0" y="0"/>
+          <a:ext cx="0" cy="0"/>
+          <a:chOff x="0" y="0"/>
+          <a:chExt cx="0" cy="0"/>
+        </a:xfrm>
+      </p:grpSpPr>
+      <p:sp>
+        <p:nvSpPr>
+          <p:cNvPr id="2" name="Title 1">
+            <a:extLst>
+              <a:ext uri="{FF2B5EF4-FFF2-40B4-BE49-F238E27FC236}">
+                <a16:creationId xmlns:a16="http://schemas.microsoft.com/office/drawing/2014/main" id="{AB4233AC-B4C0-4267-8447-804CC38BFDC8}"/>
+              </a:ext>
+            </a:extLst>
+          </p:cNvPr>
+          <p:cNvSpPr>
+            <a:spLocks noGrp="1"/>
+          </p:cNvSpPr>
+          <p:nvPr>
+            <p:ph type="title"/>
+          </p:nvPr>
+        </p:nvSpPr>
+        <p:spPr/>
+        <p:txBody>
+          <a:bodyPr/>
+          <a:lstStyle/>
+          <a:p>
+            <a:endParaRPr lang="en-US"/>
+          </a:p>
+        </p:txBody>
+      </p:sp>
+      <p:pic>
+        <p:nvPicPr>
+          <p:cNvPr id="4" name="Content Placeholder 3">
+            <a:extLst>
+              <a:ext uri="{FF2B5EF4-FFF2-40B4-BE49-F238E27FC236}">
+                <a16:creationId xmlns:a16="http://schemas.microsoft.com/office/drawing/2014/main" id="{84D2E1F3-4B3E-418D-B9F8-8CAEFBA327BF}"/>
+              </a:ext>
+            </a:extLst>
+          </p:cNvPr>
+          <p:cNvPicPr>
+            <a:picLocks noGrp="1" noChangeAspect="1"/>
+          </p:cNvPicPr>
+          <p:nvPr>
+            <p:ph idx="1"/>
+          </p:nvPr>
+        </p:nvPicPr>
+        <p:blipFill rotWithShape="1">
+          <a:blip r:embed="rId2"/>
+          <a:srcRect t="7258"/>
+          <a:stretch/>
+        </p:blipFill>
+        <p:spPr>
+          <a:xfrm>
+            <a:off x="925942" y="2285728"/>
+            <a:ext cx="5170058" cy="3732213"/>
+          </a:xfrm>
+          <a:prstGeom prst="rect">
+            <a:avLst/>
+          </a:prstGeom>
+        </p:spPr>
+      </p:pic>
+    </p:spTree>
+    <p:extLst>
+      <p:ext uri="{BB962C8B-B14F-4D97-AF65-F5344CB8AC3E}">
+        <p14:creationId xmlns:p14="http://schemas.microsoft.com/office/powerpoint/2010/main" val="3988696895"/>
       </p:ext>
     </p:extLst>
   </p:cSld>
@@ -5782,7 +6648,7 @@
           <a:bodyPr/>
           <a:lstStyle/>
           <a:p>
-            <a:endParaRPr lang="en-US"/>
+            <a:endParaRPr lang="en-US" dirty="0"/>
           </a:p>
         </p:txBody>
       </p:sp>
@@ -5807,7 +6673,57 @@
           <a:bodyPr/>
           <a:lstStyle/>
           <a:p>
-            <a:endParaRPr lang="en-US"/>
+            <a:r>
+              <a:rPr lang="es-ES" dirty="0" err="1"/>
+              <a:t>Overview</a:t>
+            </a:r>
+            <a:endParaRPr lang="es-ES" dirty="0"/>
+          </a:p>
+          <a:p>
+            <a:r>
+              <a:rPr lang="es-ES" dirty="0" err="1"/>
+              <a:t>Architecture</a:t>
+            </a:r>
+            <a:endParaRPr lang="es-ES" dirty="0"/>
+          </a:p>
+          <a:p>
+            <a:r>
+              <a:rPr lang="es-ES" dirty="0" err="1"/>
+              <a:t>Installation</a:t>
+            </a:r>
+            <a:endParaRPr lang="es-ES" dirty="0"/>
+          </a:p>
+          <a:p>
+            <a:r>
+              <a:rPr lang="es-ES" dirty="0" err="1"/>
+              <a:t>Upgrade</a:t>
+            </a:r>
+            <a:endParaRPr lang="es-ES" dirty="0"/>
+          </a:p>
+          <a:p>
+            <a:r>
+              <a:rPr lang="es-ES" dirty="0"/>
+              <a:t>Windows Server </a:t>
+            </a:r>
+            <a:r>
+              <a:rPr lang="es-ES" dirty="0" err="1"/>
+              <a:t>Power</a:t>
+            </a:r>
+            <a:r>
+              <a:rPr lang="es-ES" dirty="0"/>
+              <a:t> Pack</a:t>
+            </a:r>
+          </a:p>
+          <a:p>
+            <a:r>
+              <a:rPr lang="es-ES" dirty="0"/>
+              <a:t>Dynamics </a:t>
+            </a:r>
+            <a:r>
+              <a:rPr lang="es-ES" dirty="0" err="1"/>
+              <a:t>Aplications</a:t>
+            </a:r>
+            <a:endParaRPr lang="es-ES" dirty="0"/>
           </a:p>
         </p:txBody>
       </p:sp>
@@ -5815,6 +6731,1543 @@
     <p:extLst>
       <p:ext uri="{BB962C8B-B14F-4D97-AF65-F5344CB8AC3E}">
         <p14:creationId xmlns:p14="http://schemas.microsoft.com/office/powerpoint/2010/main" val="367606278"/>
+      </p:ext>
+    </p:extLst>
+  </p:cSld>
+  <p:clrMapOvr>
+    <a:masterClrMapping/>
+  </p:clrMapOvr>
+</p:sld>
+</file>
+
+<file path=ppt/slides/slide3.xml><?xml version="1.0" encoding="utf-8"?>
+<p:sld xmlns:a="http://schemas.openxmlformats.org/drawingml/2006/main" xmlns:r="http://schemas.openxmlformats.org/officeDocument/2006/relationships" xmlns:p="http://schemas.openxmlformats.org/presentationml/2006/main">
+  <p:cSld>
+    <p:spTree>
+      <p:nvGrpSpPr>
+        <p:cNvPr id="1" name=""/>
+        <p:cNvGrpSpPr/>
+        <p:nvPr/>
+      </p:nvGrpSpPr>
+      <p:grpSpPr>
+        <a:xfrm>
+          <a:off x="0" y="0"/>
+          <a:ext cx="0" cy="0"/>
+          <a:chOff x="0" y="0"/>
+          <a:chExt cx="0" cy="0"/>
+        </a:xfrm>
+      </p:grpSpPr>
+      <p:sp>
+        <p:nvSpPr>
+          <p:cNvPr id="2" name="Title 1">
+            <a:extLst>
+              <a:ext uri="{FF2B5EF4-FFF2-40B4-BE49-F238E27FC236}">
+                <a16:creationId xmlns:a16="http://schemas.microsoft.com/office/drawing/2014/main" id="{7153CDF7-3E61-4D1A-B4FD-6DF742925F37}"/>
+              </a:ext>
+            </a:extLst>
+          </p:cNvPr>
+          <p:cNvSpPr>
+            <a:spLocks noGrp="1"/>
+          </p:cNvSpPr>
+          <p:nvPr>
+            <p:ph type="title"/>
+          </p:nvPr>
+        </p:nvSpPr>
+        <p:spPr/>
+        <p:txBody>
+          <a:bodyPr/>
+          <a:lstStyle/>
+          <a:p>
+            <a:r>
+              <a:rPr lang="es-ES" dirty="0" err="1"/>
+              <a:t>overview</a:t>
+            </a:r>
+            <a:endParaRPr lang="en-US" dirty="0"/>
+          </a:p>
+        </p:txBody>
+      </p:sp>
+      <p:sp>
+        <p:nvSpPr>
+          <p:cNvPr id="3" name="Content Placeholder 2">
+            <a:extLst>
+              <a:ext uri="{FF2B5EF4-FFF2-40B4-BE49-F238E27FC236}">
+                <a16:creationId xmlns:a16="http://schemas.microsoft.com/office/drawing/2014/main" id="{3359F356-2444-4A6F-B3F0-6CE3709D6535}"/>
+              </a:ext>
+            </a:extLst>
+          </p:cNvPr>
+          <p:cNvSpPr>
+            <a:spLocks noGrp="1"/>
+          </p:cNvSpPr>
+          <p:nvPr>
+            <p:ph idx="1"/>
+          </p:nvPr>
+        </p:nvSpPr>
+        <p:spPr/>
+        <p:txBody>
+          <a:bodyPr/>
+          <a:lstStyle/>
+          <a:p>
+            <a:endParaRPr lang="en-US" dirty="0"/>
+          </a:p>
+        </p:txBody>
+      </p:sp>
+    </p:spTree>
+    <p:extLst>
+      <p:ext uri="{BB962C8B-B14F-4D97-AF65-F5344CB8AC3E}">
+        <p14:creationId xmlns:p14="http://schemas.microsoft.com/office/powerpoint/2010/main" val="4155372858"/>
+      </p:ext>
+    </p:extLst>
+  </p:cSld>
+  <p:clrMapOvr>
+    <a:masterClrMapping/>
+  </p:clrMapOvr>
+</p:sld>
+</file>
+
+<file path=ppt/slides/slide4.xml><?xml version="1.0" encoding="utf-8"?>
+<p:sld xmlns:a="http://schemas.openxmlformats.org/drawingml/2006/main" xmlns:r="http://schemas.openxmlformats.org/officeDocument/2006/relationships" xmlns:p="http://schemas.openxmlformats.org/presentationml/2006/main">
+  <p:cSld>
+    <p:spTree>
+      <p:nvGrpSpPr>
+        <p:cNvPr id="1" name=""/>
+        <p:cNvGrpSpPr/>
+        <p:nvPr/>
+      </p:nvGrpSpPr>
+      <p:grpSpPr>
+        <a:xfrm>
+          <a:off x="0" y="0"/>
+          <a:ext cx="0" cy="0"/>
+          <a:chOff x="0" y="0"/>
+          <a:chExt cx="0" cy="0"/>
+        </a:xfrm>
+      </p:grpSpPr>
+      <p:sp>
+        <p:nvSpPr>
+          <p:cNvPr id="2" name="Title 1">
+            <a:extLst>
+              <a:ext uri="{FF2B5EF4-FFF2-40B4-BE49-F238E27FC236}">
+                <a16:creationId xmlns:a16="http://schemas.microsoft.com/office/drawing/2014/main" id="{6C083EEB-B69F-4A37-AD2A-01846B89238E}"/>
+              </a:ext>
+            </a:extLst>
+          </p:cNvPr>
+          <p:cNvSpPr>
+            <a:spLocks noGrp="1"/>
+          </p:cNvSpPr>
+          <p:nvPr>
+            <p:ph type="title"/>
+          </p:nvPr>
+        </p:nvSpPr>
+        <p:spPr/>
+        <p:txBody>
+          <a:bodyPr/>
+          <a:lstStyle/>
+          <a:p>
+            <a:r>
+              <a:rPr lang="es-ES" dirty="0" err="1"/>
+              <a:t>Architecture</a:t>
+            </a:r>
+            <a:endParaRPr lang="en-US" dirty="0"/>
+          </a:p>
+        </p:txBody>
+      </p:sp>
+      <p:sp>
+        <p:nvSpPr>
+          <p:cNvPr id="3" name="Content Placeholder 2">
+            <a:extLst>
+              <a:ext uri="{FF2B5EF4-FFF2-40B4-BE49-F238E27FC236}">
+                <a16:creationId xmlns:a16="http://schemas.microsoft.com/office/drawing/2014/main" id="{5EC746A3-302D-42B7-B487-04A6F2E87348}"/>
+              </a:ext>
+            </a:extLst>
+          </p:cNvPr>
+          <p:cNvSpPr>
+            <a:spLocks noGrp="1"/>
+          </p:cNvSpPr>
+          <p:nvPr>
+            <p:ph sz="half" idx="1"/>
+          </p:nvPr>
+        </p:nvSpPr>
+        <p:spPr/>
+        <p:txBody>
+          <a:bodyPr/>
+          <a:lstStyle/>
+          <a:p>
+            <a:r>
+              <a:rPr lang="es-ES" dirty="0" err="1"/>
+              <a:t>All</a:t>
+            </a:r>
+            <a:r>
+              <a:rPr lang="es-ES" dirty="0"/>
+              <a:t> in </a:t>
+            </a:r>
+            <a:r>
+              <a:rPr lang="es-ES" dirty="0" err="1"/>
+              <a:t>One</a:t>
+            </a:r>
+            <a:endParaRPr lang="es-ES" dirty="0"/>
+          </a:p>
+          <a:p>
+            <a:r>
+              <a:rPr lang="es-ES" dirty="0" err="1"/>
+              <a:t>Distributed</a:t>
+            </a:r>
+            <a:endParaRPr lang="en-US" dirty="0"/>
+          </a:p>
+        </p:txBody>
+      </p:sp>
+      <p:sp>
+        <p:nvSpPr>
+          <p:cNvPr id="4" name="Content Placeholder 3">
+            <a:extLst>
+              <a:ext uri="{FF2B5EF4-FFF2-40B4-BE49-F238E27FC236}">
+                <a16:creationId xmlns:a16="http://schemas.microsoft.com/office/drawing/2014/main" id="{C9821478-4467-4335-B6B4-75A57F9D24AC}"/>
+              </a:ext>
+            </a:extLst>
+          </p:cNvPr>
+          <p:cNvSpPr>
+            <a:spLocks noGrp="1"/>
+          </p:cNvSpPr>
+          <p:nvPr>
+            <p:ph sz="half" idx="2"/>
+          </p:nvPr>
+        </p:nvSpPr>
+        <p:spPr/>
+        <p:txBody>
+          <a:bodyPr/>
+          <a:lstStyle/>
+          <a:p>
+            <a:r>
+              <a:rPr lang="en-US" dirty="0"/>
+              <a:t>User Interface </a:t>
+            </a:r>
+          </a:p>
+          <a:p>
+            <a:r>
+              <a:rPr lang="en-US" dirty="0"/>
+              <a:t>Database </a:t>
+            </a:r>
+          </a:p>
+          <a:p>
+            <a:r>
+              <a:rPr lang="en-US" dirty="0"/>
+              <a:t>Data Collection </a:t>
+            </a:r>
+          </a:p>
+          <a:p>
+            <a:r>
+              <a:rPr lang="en-US" dirty="0"/>
+              <a:t>Message Collection </a:t>
+            </a:r>
+          </a:p>
+          <a:p>
+            <a:r>
+              <a:rPr lang="en-US" dirty="0"/>
+              <a:t>API</a:t>
+            </a:r>
+          </a:p>
+        </p:txBody>
+      </p:sp>
+    </p:spTree>
+    <p:extLst>
+      <p:ext uri="{BB962C8B-B14F-4D97-AF65-F5344CB8AC3E}">
+        <p14:creationId xmlns:p14="http://schemas.microsoft.com/office/powerpoint/2010/main" val="171671767"/>
+      </p:ext>
+    </p:extLst>
+  </p:cSld>
+  <p:clrMapOvr>
+    <a:masterClrMapping/>
+  </p:clrMapOvr>
+</p:sld>
+</file>
+
+<file path=ppt/slides/slide5.xml><?xml version="1.0" encoding="utf-8"?>
+<p:sld xmlns:a="http://schemas.openxmlformats.org/drawingml/2006/main" xmlns:r="http://schemas.openxmlformats.org/officeDocument/2006/relationships" xmlns:p="http://schemas.openxmlformats.org/presentationml/2006/main">
+  <p:cSld>
+    <p:spTree>
+      <p:nvGrpSpPr>
+        <p:cNvPr id="1" name=""/>
+        <p:cNvGrpSpPr/>
+        <p:nvPr/>
+      </p:nvGrpSpPr>
+      <p:grpSpPr>
+        <a:xfrm>
+          <a:off x="0" y="0"/>
+          <a:ext cx="0" cy="0"/>
+          <a:chOff x="0" y="0"/>
+          <a:chExt cx="0" cy="0"/>
+        </a:xfrm>
+      </p:grpSpPr>
+      <p:pic>
+        <p:nvPicPr>
+          <p:cNvPr id="13" name="Picture 12">
+            <a:extLst>
+              <a:ext uri="{FF2B5EF4-FFF2-40B4-BE49-F238E27FC236}">
+                <a16:creationId xmlns:a16="http://schemas.microsoft.com/office/drawing/2014/main" id="{53AA26A9-2E55-468D-99CE-B78C2481EC6A}"/>
+              </a:ext>
+            </a:extLst>
+          </p:cNvPr>
+          <p:cNvPicPr>
+            <a:picLocks noChangeAspect="1"/>
+          </p:cNvPicPr>
+          <p:nvPr/>
+        </p:nvPicPr>
+        <p:blipFill rotWithShape="1">
+          <a:blip r:embed="rId2"/>
+          <a:srcRect l="32816" t="35047" r="16533" b="36635"/>
+          <a:stretch/>
+        </p:blipFill>
+        <p:spPr>
+          <a:xfrm>
+            <a:off x="1410789" y="4499040"/>
+            <a:ext cx="4902925" cy="1942011"/>
+          </a:xfrm>
+          <a:prstGeom prst="rect">
+            <a:avLst/>
+          </a:prstGeom>
+        </p:spPr>
+      </p:pic>
+      <p:sp>
+        <p:nvSpPr>
+          <p:cNvPr id="8" name="Title 7">
+            <a:extLst>
+              <a:ext uri="{FF2B5EF4-FFF2-40B4-BE49-F238E27FC236}">
+                <a16:creationId xmlns:a16="http://schemas.microsoft.com/office/drawing/2014/main" id="{FDA8E8F3-31A0-44D2-AC1E-1F8DD4028B59}"/>
+              </a:ext>
+            </a:extLst>
+          </p:cNvPr>
+          <p:cNvSpPr>
+            <a:spLocks noGrp="1"/>
+          </p:cNvSpPr>
+          <p:nvPr>
+            <p:ph type="title"/>
+          </p:nvPr>
+        </p:nvSpPr>
+        <p:spPr/>
+        <p:txBody>
+          <a:bodyPr/>
+          <a:lstStyle/>
+          <a:p>
+            <a:r>
+              <a:rPr lang="es-ES" dirty="0" err="1"/>
+              <a:t>Architecture</a:t>
+            </a:r>
+            <a:endParaRPr lang="en-US" dirty="0"/>
+          </a:p>
+        </p:txBody>
+      </p:sp>
+      <p:sp>
+        <p:nvSpPr>
+          <p:cNvPr id="9" name="Text Placeholder 8">
+            <a:extLst>
+              <a:ext uri="{FF2B5EF4-FFF2-40B4-BE49-F238E27FC236}">
+                <a16:creationId xmlns:a16="http://schemas.microsoft.com/office/drawing/2014/main" id="{7998331D-FDD4-4538-A717-A8854DEDB354}"/>
+              </a:ext>
+            </a:extLst>
+          </p:cNvPr>
+          <p:cNvSpPr>
+            <a:spLocks noGrp="1"/>
+          </p:cNvSpPr>
+          <p:nvPr>
+            <p:ph type="body" idx="1"/>
+          </p:nvPr>
+        </p:nvSpPr>
+        <p:spPr>
+          <a:xfrm>
+            <a:off x="914409" y="1537731"/>
+            <a:ext cx="5079991" cy="823912"/>
+          </a:xfrm>
+        </p:spPr>
+        <p:txBody>
+          <a:bodyPr/>
+          <a:lstStyle/>
+          <a:p>
+            <a:r>
+              <a:rPr lang="es-ES" dirty="0" err="1"/>
+              <a:t>All</a:t>
+            </a:r>
+            <a:r>
+              <a:rPr lang="es-ES" dirty="0"/>
+              <a:t> in </a:t>
+            </a:r>
+            <a:r>
+              <a:rPr lang="es-ES" dirty="0" err="1"/>
+              <a:t>One</a:t>
+            </a:r>
+            <a:endParaRPr lang="en-US" dirty="0"/>
+          </a:p>
+        </p:txBody>
+      </p:sp>
+      <p:sp>
+        <p:nvSpPr>
+          <p:cNvPr id="11" name="Text Placeholder 10">
+            <a:extLst>
+              <a:ext uri="{FF2B5EF4-FFF2-40B4-BE49-F238E27FC236}">
+                <a16:creationId xmlns:a16="http://schemas.microsoft.com/office/drawing/2014/main" id="{7BB1E265-77D0-4388-A9B5-B3427281994D}"/>
+              </a:ext>
+            </a:extLst>
+          </p:cNvPr>
+          <p:cNvSpPr>
+            <a:spLocks noGrp="1"/>
+          </p:cNvSpPr>
+          <p:nvPr>
+            <p:ph type="body" sz="quarter" idx="3"/>
+          </p:nvPr>
+        </p:nvSpPr>
+        <p:spPr>
+          <a:xfrm>
+            <a:off x="6400800" y="1537731"/>
+            <a:ext cx="5105400" cy="823912"/>
+          </a:xfrm>
+        </p:spPr>
+        <p:txBody>
+          <a:bodyPr/>
+          <a:lstStyle/>
+          <a:p>
+            <a:r>
+              <a:rPr lang="es-ES" dirty="0" err="1"/>
+              <a:t>Distributed</a:t>
+            </a:r>
+            <a:endParaRPr lang="en-US" dirty="0"/>
+          </a:p>
+        </p:txBody>
+      </p:sp>
+      <p:pic>
+        <p:nvPicPr>
+          <p:cNvPr id="5" name="Picture 4">
+            <a:extLst>
+              <a:ext uri="{FF2B5EF4-FFF2-40B4-BE49-F238E27FC236}">
+                <a16:creationId xmlns:a16="http://schemas.microsoft.com/office/drawing/2014/main" id="{A4C38687-EC0B-4B4E-8E7B-C9E93D3CF972}"/>
+              </a:ext>
+            </a:extLst>
+          </p:cNvPr>
+          <p:cNvPicPr>
+            <a:picLocks noChangeAspect="1"/>
+          </p:cNvPicPr>
+          <p:nvPr/>
+        </p:nvPicPr>
+        <p:blipFill rotWithShape="1">
+          <a:blip r:embed="rId3"/>
+          <a:srcRect l="55571" t="35174" r="16714" b="23937"/>
+          <a:stretch/>
+        </p:blipFill>
+        <p:spPr>
+          <a:xfrm>
+            <a:off x="914409" y="2361643"/>
+            <a:ext cx="3378926" cy="2804160"/>
+          </a:xfrm>
+          <a:prstGeom prst="rect">
+            <a:avLst/>
+          </a:prstGeom>
+        </p:spPr>
+      </p:pic>
+      <p:pic>
+        <p:nvPicPr>
+          <p:cNvPr id="7" name="Picture 6">
+            <a:extLst>
+              <a:ext uri="{FF2B5EF4-FFF2-40B4-BE49-F238E27FC236}">
+                <a16:creationId xmlns:a16="http://schemas.microsoft.com/office/drawing/2014/main" id="{13133F15-2F62-4E9C-8EBC-65BFA5B8F047}"/>
+              </a:ext>
+            </a:extLst>
+          </p:cNvPr>
+          <p:cNvPicPr>
+            <a:picLocks noChangeAspect="1"/>
+          </p:cNvPicPr>
+          <p:nvPr/>
+        </p:nvPicPr>
+        <p:blipFill rotWithShape="1">
+          <a:blip r:embed="rId4"/>
+          <a:srcRect l="38477" t="33468" r="11602" b="27365"/>
+          <a:stretch/>
+        </p:blipFill>
+        <p:spPr>
+          <a:xfrm>
+            <a:off x="6400800" y="2420698"/>
+            <a:ext cx="4415518" cy="2686051"/>
+          </a:xfrm>
+          <a:prstGeom prst="rect">
+            <a:avLst/>
+          </a:prstGeom>
+        </p:spPr>
+      </p:pic>
+      <p:sp>
+        <p:nvSpPr>
+          <p:cNvPr id="14" name="Text Placeholder 8">
+            <a:extLst>
+              <a:ext uri="{FF2B5EF4-FFF2-40B4-BE49-F238E27FC236}">
+                <a16:creationId xmlns:a16="http://schemas.microsoft.com/office/drawing/2014/main" id="{E232809F-3037-4F93-99AD-460F80B0964D}"/>
+              </a:ext>
+            </a:extLst>
+          </p:cNvPr>
+          <p:cNvSpPr txBox="1">
+            <a:spLocks/>
+          </p:cNvSpPr>
+          <p:nvPr/>
+        </p:nvSpPr>
+        <p:spPr>
+          <a:xfrm>
+            <a:off x="6426209" y="5399982"/>
+            <a:ext cx="5079991" cy="823912"/>
+          </a:xfrm>
+          <a:prstGeom prst="rect">
+            <a:avLst/>
+          </a:prstGeom>
+        </p:spPr>
+        <p:txBody>
+          <a:bodyPr vert="horz" lIns="91440" tIns="45720" rIns="91440" bIns="45720" rtlCol="0" anchor="b">
+            <a:normAutofit/>
+          </a:bodyPr>
+          <a:lstStyle>
+            <a:lvl1pPr marL="0" indent="0" algn="l" defTabSz="914400" rtl="0" eaLnBrk="1" latinLnBrk="0" hangingPunct="1">
+              <a:lnSpc>
+                <a:spcPct val="90000"/>
+              </a:lnSpc>
+              <a:spcBef>
+                <a:spcPts val="1000"/>
+              </a:spcBef>
+              <a:buFont typeface="Arial" panose="020B0604020202020204" pitchFamily="34" charset="0"/>
+              <a:buNone/>
+              <a:defRPr sz="2800" b="0" kern="1200">
+                <a:solidFill>
+                  <a:schemeClr val="tx1"/>
+                </a:solidFill>
+                <a:latin typeface="+mn-lt"/>
+                <a:ea typeface="+mn-ea"/>
+                <a:cs typeface="+mn-cs"/>
+              </a:defRPr>
+            </a:lvl1pPr>
+            <a:lvl2pPr marL="457200" indent="0" algn="l" defTabSz="914400" rtl="0" eaLnBrk="1" latinLnBrk="0" hangingPunct="1">
+              <a:lnSpc>
+                <a:spcPct val="90000"/>
+              </a:lnSpc>
+              <a:spcBef>
+                <a:spcPts val="500"/>
+              </a:spcBef>
+              <a:buFont typeface="Arial" panose="020B0604020202020204" pitchFamily="34" charset="0"/>
+              <a:buNone/>
+              <a:defRPr sz="2000" b="1" kern="1200">
+                <a:solidFill>
+                  <a:schemeClr val="tx1"/>
+                </a:solidFill>
+                <a:latin typeface="+mn-lt"/>
+                <a:ea typeface="+mn-ea"/>
+                <a:cs typeface="+mn-cs"/>
+              </a:defRPr>
+            </a:lvl2pPr>
+            <a:lvl3pPr marL="914400" indent="0" algn="l" defTabSz="914400" rtl="0" eaLnBrk="1" latinLnBrk="0" hangingPunct="1">
+              <a:lnSpc>
+                <a:spcPct val="90000"/>
+              </a:lnSpc>
+              <a:spcBef>
+                <a:spcPts val="500"/>
+              </a:spcBef>
+              <a:buFont typeface="Arial" panose="020B0604020202020204" pitchFamily="34" charset="0"/>
+              <a:buNone/>
+              <a:defRPr sz="1800" b="1" kern="1200">
+                <a:solidFill>
+                  <a:schemeClr val="tx1"/>
+                </a:solidFill>
+                <a:latin typeface="+mn-lt"/>
+                <a:ea typeface="+mn-ea"/>
+                <a:cs typeface="+mn-cs"/>
+              </a:defRPr>
+            </a:lvl3pPr>
+            <a:lvl4pPr marL="1371600" indent="0" algn="l" defTabSz="914400" rtl="0" eaLnBrk="1" latinLnBrk="0" hangingPunct="1">
+              <a:lnSpc>
+                <a:spcPct val="90000"/>
+              </a:lnSpc>
+              <a:spcBef>
+                <a:spcPts val="500"/>
+              </a:spcBef>
+              <a:buFont typeface="Arial" panose="020B0604020202020204" pitchFamily="34" charset="0"/>
+              <a:buNone/>
+              <a:defRPr sz="1600" b="1" kern="1200">
+                <a:solidFill>
+                  <a:schemeClr val="tx1"/>
+                </a:solidFill>
+                <a:latin typeface="+mn-lt"/>
+                <a:ea typeface="+mn-ea"/>
+                <a:cs typeface="+mn-cs"/>
+              </a:defRPr>
+            </a:lvl4pPr>
+            <a:lvl5pPr marL="1828800" indent="0" algn="l" defTabSz="914400" rtl="0" eaLnBrk="1" latinLnBrk="0" hangingPunct="1">
+              <a:lnSpc>
+                <a:spcPct val="90000"/>
+              </a:lnSpc>
+              <a:spcBef>
+                <a:spcPts val="500"/>
+              </a:spcBef>
+              <a:buFont typeface="Arial" panose="020B0604020202020204" pitchFamily="34" charset="0"/>
+              <a:buNone/>
+              <a:defRPr sz="1600" b="1" kern="1200">
+                <a:solidFill>
+                  <a:schemeClr val="tx1"/>
+                </a:solidFill>
+                <a:latin typeface="+mn-lt"/>
+                <a:ea typeface="+mn-ea"/>
+                <a:cs typeface="+mn-cs"/>
+              </a:defRPr>
+            </a:lvl5pPr>
+            <a:lvl6pPr marL="2286000" indent="0" algn="l" defTabSz="914400" rtl="0" eaLnBrk="1" latinLnBrk="0" hangingPunct="1">
+              <a:lnSpc>
+                <a:spcPct val="90000"/>
+              </a:lnSpc>
+              <a:spcBef>
+                <a:spcPts val="500"/>
+              </a:spcBef>
+              <a:buFont typeface="Arial" panose="020B0604020202020204" pitchFamily="34" charset="0"/>
+              <a:buNone/>
+              <a:defRPr sz="1600" b="1" kern="1200">
+                <a:solidFill>
+                  <a:schemeClr val="tx1"/>
+                </a:solidFill>
+                <a:latin typeface="+mn-lt"/>
+                <a:ea typeface="+mn-ea"/>
+                <a:cs typeface="+mn-cs"/>
+              </a:defRPr>
+            </a:lvl6pPr>
+            <a:lvl7pPr marL="2743200" indent="0" algn="l" defTabSz="914400" rtl="0" eaLnBrk="1" latinLnBrk="0" hangingPunct="1">
+              <a:lnSpc>
+                <a:spcPct val="90000"/>
+              </a:lnSpc>
+              <a:spcBef>
+                <a:spcPts val="500"/>
+              </a:spcBef>
+              <a:buFont typeface="Arial" panose="020B0604020202020204" pitchFamily="34" charset="0"/>
+              <a:buNone/>
+              <a:defRPr sz="1600" b="1" kern="1200">
+                <a:solidFill>
+                  <a:schemeClr val="tx1"/>
+                </a:solidFill>
+                <a:latin typeface="+mn-lt"/>
+                <a:ea typeface="+mn-ea"/>
+                <a:cs typeface="+mn-cs"/>
+              </a:defRPr>
+            </a:lvl7pPr>
+            <a:lvl8pPr marL="3200400" indent="0" algn="l" defTabSz="914400" rtl="0" eaLnBrk="1" latinLnBrk="0" hangingPunct="1">
+              <a:lnSpc>
+                <a:spcPct val="90000"/>
+              </a:lnSpc>
+              <a:spcBef>
+                <a:spcPts val="500"/>
+              </a:spcBef>
+              <a:buFont typeface="Arial" panose="020B0604020202020204" pitchFamily="34" charset="0"/>
+              <a:buNone/>
+              <a:defRPr sz="1600" b="1" kern="1200">
+                <a:solidFill>
+                  <a:schemeClr val="tx1"/>
+                </a:solidFill>
+                <a:latin typeface="+mn-lt"/>
+                <a:ea typeface="+mn-ea"/>
+                <a:cs typeface="+mn-cs"/>
+              </a:defRPr>
+            </a:lvl8pPr>
+            <a:lvl9pPr marL="3657600" indent="0" algn="l" defTabSz="914400" rtl="0" eaLnBrk="1" latinLnBrk="0" hangingPunct="1">
+              <a:lnSpc>
+                <a:spcPct val="90000"/>
+              </a:lnSpc>
+              <a:spcBef>
+                <a:spcPts val="500"/>
+              </a:spcBef>
+              <a:buFont typeface="Arial" panose="020B0604020202020204" pitchFamily="34" charset="0"/>
+              <a:buNone/>
+              <a:defRPr sz="1600" b="1" kern="1200">
+                <a:solidFill>
+                  <a:schemeClr val="tx1"/>
+                </a:solidFill>
+                <a:latin typeface="+mn-lt"/>
+                <a:ea typeface="+mn-ea"/>
+                <a:cs typeface="+mn-cs"/>
+              </a:defRPr>
+            </a:lvl9pPr>
+          </a:lstStyle>
+          <a:p>
+            <a:r>
+              <a:rPr lang="es-ES" dirty="0" err="1"/>
+              <a:t>Agent</a:t>
+            </a:r>
+            <a:endParaRPr lang="en-US" dirty="0"/>
+          </a:p>
+        </p:txBody>
+      </p:sp>
+    </p:spTree>
+    <p:extLst>
+      <p:ext uri="{BB962C8B-B14F-4D97-AF65-F5344CB8AC3E}">
+        <p14:creationId xmlns:p14="http://schemas.microsoft.com/office/powerpoint/2010/main" val="507021392"/>
+      </p:ext>
+    </p:extLst>
+  </p:cSld>
+  <p:clrMapOvr>
+    <a:masterClrMapping/>
+  </p:clrMapOvr>
+</p:sld>
+</file>
+
+<file path=ppt/slides/slide6.xml><?xml version="1.0" encoding="utf-8"?>
+<p:sld xmlns:a="http://schemas.openxmlformats.org/drawingml/2006/main" xmlns:r="http://schemas.openxmlformats.org/officeDocument/2006/relationships" xmlns:p="http://schemas.openxmlformats.org/presentationml/2006/main">
+  <p:cSld>
+    <p:spTree>
+      <p:nvGrpSpPr>
+        <p:cNvPr id="1" name=""/>
+        <p:cNvGrpSpPr/>
+        <p:nvPr/>
+      </p:nvGrpSpPr>
+      <p:grpSpPr>
+        <a:xfrm>
+          <a:off x="0" y="0"/>
+          <a:ext cx="0" cy="0"/>
+          <a:chOff x="0" y="0"/>
+          <a:chExt cx="0" cy="0"/>
+        </a:xfrm>
+      </p:grpSpPr>
+      <p:sp>
+        <p:nvSpPr>
+          <p:cNvPr id="2" name="Title 1">
+            <a:extLst>
+              <a:ext uri="{FF2B5EF4-FFF2-40B4-BE49-F238E27FC236}">
+                <a16:creationId xmlns:a16="http://schemas.microsoft.com/office/drawing/2014/main" id="{F85900FA-466C-41D2-90D5-17D7C29DE402}"/>
+              </a:ext>
+            </a:extLst>
+          </p:cNvPr>
+          <p:cNvSpPr>
+            <a:spLocks noGrp="1"/>
+          </p:cNvSpPr>
+          <p:nvPr>
+            <p:ph type="title"/>
+          </p:nvPr>
+        </p:nvSpPr>
+        <p:spPr/>
+        <p:txBody>
+          <a:bodyPr>
+            <a:normAutofit/>
+          </a:bodyPr>
+          <a:lstStyle/>
+          <a:p>
+            <a:r>
+              <a:rPr lang="en-US" b="1" dirty="0"/>
+              <a:t>Backup, Recovery &amp; High Availability Options</a:t>
+            </a:r>
+            <a:r>
+              <a:rPr lang="en-US" dirty="0"/>
+              <a:t> </a:t>
+            </a:r>
+          </a:p>
+        </p:txBody>
+      </p:sp>
+      <p:sp>
+        <p:nvSpPr>
+          <p:cNvPr id="3" name="Content Placeholder 2">
+            <a:extLst>
+              <a:ext uri="{FF2B5EF4-FFF2-40B4-BE49-F238E27FC236}">
+                <a16:creationId xmlns:a16="http://schemas.microsoft.com/office/drawing/2014/main" id="{C42B3AE1-0DC8-483C-BD09-19628B9EE4B3}"/>
+              </a:ext>
+            </a:extLst>
+          </p:cNvPr>
+          <p:cNvSpPr>
+            <a:spLocks noGrp="1"/>
+          </p:cNvSpPr>
+          <p:nvPr>
+            <p:ph idx="1"/>
+          </p:nvPr>
+        </p:nvSpPr>
+        <p:spPr/>
+        <p:txBody>
+          <a:bodyPr/>
+          <a:lstStyle/>
+          <a:p>
+            <a:r>
+              <a:rPr lang="en-US" dirty="0"/>
+              <a:t>Configuration Backups </a:t>
+            </a:r>
+          </a:p>
+          <a:p>
+            <a:r>
+              <a:rPr lang="en-US" dirty="0"/>
+              <a:t>Full Backup</a:t>
+            </a:r>
+          </a:p>
+          <a:p>
+            <a:r>
+              <a:rPr lang="en-US" dirty="0"/>
+              <a:t>High Availability for Database</a:t>
+            </a:r>
+          </a:p>
+          <a:p>
+            <a:r>
+              <a:rPr lang="en-US" dirty="0"/>
+              <a:t>Disaster Recovery</a:t>
+            </a:r>
+          </a:p>
+          <a:p>
+            <a:r>
+              <a:rPr lang="en-US" dirty="0"/>
+              <a:t>High Availability for Data Collection </a:t>
+            </a:r>
+            <a:br>
+              <a:rPr lang="en-US" dirty="0"/>
+            </a:br>
+            <a:endParaRPr lang="en-US" dirty="0"/>
+          </a:p>
+        </p:txBody>
+      </p:sp>
+      <p:pic>
+        <p:nvPicPr>
+          <p:cNvPr id="4" name="Picture 3">
+            <a:extLst>
+              <a:ext uri="{FF2B5EF4-FFF2-40B4-BE49-F238E27FC236}">
+                <a16:creationId xmlns:a16="http://schemas.microsoft.com/office/drawing/2014/main" id="{D85C29A3-2D75-42BE-A6C4-B41CD0BAB7B6}"/>
+              </a:ext>
+            </a:extLst>
+          </p:cNvPr>
+          <p:cNvPicPr>
+            <a:picLocks noChangeAspect="1"/>
+          </p:cNvPicPr>
+          <p:nvPr/>
+        </p:nvPicPr>
+        <p:blipFill rotWithShape="1">
+          <a:blip r:embed="rId2"/>
+          <a:srcRect l="32387" t="44584" r="3488" b="32190"/>
+          <a:stretch/>
+        </p:blipFill>
+        <p:spPr>
+          <a:xfrm>
+            <a:off x="2895600" y="4391706"/>
+            <a:ext cx="6207306" cy="1592853"/>
+          </a:xfrm>
+          <a:prstGeom prst="rect">
+            <a:avLst/>
+          </a:prstGeom>
+        </p:spPr>
+      </p:pic>
+    </p:spTree>
+    <p:extLst>
+      <p:ext uri="{BB962C8B-B14F-4D97-AF65-F5344CB8AC3E}">
+        <p14:creationId xmlns:p14="http://schemas.microsoft.com/office/powerpoint/2010/main" val="1063362521"/>
+      </p:ext>
+    </p:extLst>
+  </p:cSld>
+  <p:clrMapOvr>
+    <a:masterClrMapping/>
+  </p:clrMapOvr>
+</p:sld>
+</file>
+
+<file path=ppt/slides/slide7.xml><?xml version="1.0" encoding="utf-8"?>
+<p:sld xmlns:a="http://schemas.openxmlformats.org/drawingml/2006/main" xmlns:r="http://schemas.openxmlformats.org/officeDocument/2006/relationships" xmlns:p="http://schemas.openxmlformats.org/presentationml/2006/main">
+  <p:cSld>
+    <p:spTree>
+      <p:nvGrpSpPr>
+        <p:cNvPr id="1" name=""/>
+        <p:cNvGrpSpPr/>
+        <p:nvPr/>
+      </p:nvGrpSpPr>
+      <p:grpSpPr>
+        <a:xfrm>
+          <a:off x="0" y="0"/>
+          <a:ext cx="0" cy="0"/>
+          <a:chOff x="0" y="0"/>
+          <a:chExt cx="0" cy="0"/>
+        </a:xfrm>
+      </p:grpSpPr>
+      <p:sp>
+        <p:nvSpPr>
+          <p:cNvPr id="2" name="Title 1">
+            <a:extLst>
+              <a:ext uri="{FF2B5EF4-FFF2-40B4-BE49-F238E27FC236}">
+                <a16:creationId xmlns:a16="http://schemas.microsoft.com/office/drawing/2014/main" id="{58362CC6-845E-4045-B590-B003DBC2C5C3}"/>
+              </a:ext>
+            </a:extLst>
+          </p:cNvPr>
+          <p:cNvSpPr>
+            <a:spLocks noGrp="1"/>
+          </p:cNvSpPr>
+          <p:nvPr>
+            <p:ph type="title"/>
+          </p:nvPr>
+        </p:nvSpPr>
+        <p:spPr/>
+        <p:txBody>
+          <a:bodyPr/>
+          <a:lstStyle/>
+          <a:p>
+            <a:r>
+              <a:rPr lang="es-ES" dirty="0" err="1"/>
+              <a:t>Installation</a:t>
+            </a:r>
+            <a:endParaRPr lang="en-US" dirty="0"/>
+          </a:p>
+        </p:txBody>
+      </p:sp>
+      <p:sp>
+        <p:nvSpPr>
+          <p:cNvPr id="3" name="Content Placeholder 2">
+            <a:extLst>
+              <a:ext uri="{FF2B5EF4-FFF2-40B4-BE49-F238E27FC236}">
+                <a16:creationId xmlns:a16="http://schemas.microsoft.com/office/drawing/2014/main" id="{8127EAB6-F9DB-460B-9056-6088FE6F2B65}"/>
+              </a:ext>
+            </a:extLst>
+          </p:cNvPr>
+          <p:cNvSpPr>
+            <a:spLocks noGrp="1"/>
+          </p:cNvSpPr>
+          <p:nvPr>
+            <p:ph idx="1"/>
+          </p:nvPr>
+        </p:nvSpPr>
+        <p:spPr/>
+        <p:txBody>
+          <a:bodyPr/>
+          <a:lstStyle/>
+          <a:p>
+            <a:r>
+              <a:rPr lang="es-ES" dirty="0"/>
+              <a:t>Hardware </a:t>
+            </a:r>
+            <a:r>
+              <a:rPr lang="es-ES" dirty="0" err="1"/>
+              <a:t>Requirements</a:t>
+            </a:r>
+            <a:endParaRPr lang="es-ES" dirty="0"/>
+          </a:p>
+          <a:p>
+            <a:endParaRPr lang="es-ES" dirty="0"/>
+          </a:p>
+          <a:p>
+            <a:endParaRPr lang="es-ES" dirty="0"/>
+          </a:p>
+          <a:p>
+            <a:endParaRPr lang="es-ES" dirty="0"/>
+          </a:p>
+          <a:p>
+            <a:endParaRPr lang="es-ES" dirty="0"/>
+          </a:p>
+          <a:p>
+            <a:endParaRPr lang="es-ES" dirty="0"/>
+          </a:p>
+          <a:p>
+            <a:r>
+              <a:rPr lang="en-US" dirty="0"/>
+              <a:t>Military Unique Deployment </a:t>
+            </a:r>
+          </a:p>
+          <a:p>
+            <a:pPr lvl="1"/>
+            <a:r>
+              <a:rPr lang="en-US" dirty="0"/>
+              <a:t>More restricted use of credentials</a:t>
+            </a:r>
+            <a:endParaRPr lang="es-ES" dirty="0"/>
+          </a:p>
+          <a:p>
+            <a:endParaRPr lang="en-US" dirty="0"/>
+          </a:p>
+        </p:txBody>
+      </p:sp>
+      <p:graphicFrame>
+        <p:nvGraphicFramePr>
+          <p:cNvPr id="4" name="Table 3">
+            <a:extLst>
+              <a:ext uri="{FF2B5EF4-FFF2-40B4-BE49-F238E27FC236}">
+                <a16:creationId xmlns:a16="http://schemas.microsoft.com/office/drawing/2014/main" id="{E13C165C-26E3-4037-A357-B31C2A66B932}"/>
+              </a:ext>
+            </a:extLst>
+          </p:cNvPr>
+          <p:cNvGraphicFramePr>
+            <a:graphicFrameLocks noGrp="1"/>
+          </p:cNvGraphicFramePr>
+          <p:nvPr>
+            <p:extLst>
+              <p:ext uri="{D42A27DB-BD31-4B8C-83A1-F6EECF244321}">
+                <p14:modId xmlns:p14="http://schemas.microsoft.com/office/powerpoint/2010/main" val="546340707"/>
+              </p:ext>
+            </p:extLst>
+          </p:nvPr>
+        </p:nvGraphicFramePr>
+        <p:xfrm>
+          <a:off x="1753326" y="2835849"/>
+          <a:ext cx="8128000" cy="1483360"/>
+        </p:xfrm>
+        <a:graphic>
+          <a:graphicData uri="http://schemas.openxmlformats.org/drawingml/2006/table">
+            <a:tbl>
+              <a:tblPr firstRow="1" bandRow="1">
+                <a:tableStyleId>{5C22544A-7EE6-4342-B048-85BDC9FD1C3A}</a:tableStyleId>
+              </a:tblPr>
+              <a:tblGrid>
+                <a:gridCol w="2722880">
+                  <a:extLst>
+                    <a:ext uri="{9D8B030D-6E8A-4147-A177-3AD203B41FA5}">
+                      <a16:colId xmlns:a16="http://schemas.microsoft.com/office/drawing/2014/main" val="907524974"/>
+                    </a:ext>
+                  </a:extLst>
+                </a:gridCol>
+                <a:gridCol w="1750423">
+                  <a:extLst>
+                    <a:ext uri="{9D8B030D-6E8A-4147-A177-3AD203B41FA5}">
+                      <a16:colId xmlns:a16="http://schemas.microsoft.com/office/drawing/2014/main" val="2589070268"/>
+                    </a:ext>
+                  </a:extLst>
+                </a:gridCol>
+                <a:gridCol w="1622697">
+                  <a:extLst>
+                    <a:ext uri="{9D8B030D-6E8A-4147-A177-3AD203B41FA5}">
+                      <a16:colId xmlns:a16="http://schemas.microsoft.com/office/drawing/2014/main" val="1456506015"/>
+                    </a:ext>
+                  </a:extLst>
+                </a:gridCol>
+                <a:gridCol w="2032000">
+                  <a:extLst>
+                    <a:ext uri="{9D8B030D-6E8A-4147-A177-3AD203B41FA5}">
+                      <a16:colId xmlns:a16="http://schemas.microsoft.com/office/drawing/2014/main" val="4252057591"/>
+                    </a:ext>
+                  </a:extLst>
+                </a:gridCol>
+              </a:tblGrid>
+              <a:tr h="370840">
+                <a:tc>
+                  <a:txBody>
+                    <a:bodyPr/>
+                    <a:lstStyle/>
+                    <a:p>
+                      <a:pPr algn="ctr"/>
+                      <a:endParaRPr lang="en-US" dirty="0"/>
+                    </a:p>
+                  </a:txBody>
+                  <a:tcPr/>
+                </a:tc>
+                <a:tc>
+                  <a:txBody>
+                    <a:bodyPr/>
+                    <a:lstStyle/>
+                    <a:p>
+                      <a:pPr algn="ctr"/>
+                      <a:r>
+                        <a:rPr lang="es-ES" dirty="0"/>
+                        <a:t>RAM (GB)</a:t>
+                      </a:r>
+                      <a:endParaRPr lang="en-US" dirty="0"/>
+                    </a:p>
+                  </a:txBody>
+                  <a:tcPr/>
+                </a:tc>
+                <a:tc>
+                  <a:txBody>
+                    <a:bodyPr/>
+                    <a:lstStyle/>
+                    <a:p>
+                      <a:pPr algn="ctr"/>
+                      <a:r>
+                        <a:rPr lang="es-ES" dirty="0"/>
+                        <a:t>CPU Cares</a:t>
+                      </a:r>
+                      <a:endParaRPr lang="en-US" dirty="0"/>
+                    </a:p>
+                  </a:txBody>
+                  <a:tcPr/>
+                </a:tc>
+                <a:tc>
+                  <a:txBody>
+                    <a:bodyPr/>
+                    <a:lstStyle/>
+                    <a:p>
+                      <a:pPr algn="ctr"/>
+                      <a:r>
+                        <a:rPr lang="es-ES" dirty="0"/>
+                        <a:t>Disk (GB)</a:t>
+                      </a:r>
+                      <a:endParaRPr lang="en-US" dirty="0"/>
+                    </a:p>
+                  </a:txBody>
+                  <a:tcPr/>
+                </a:tc>
+                <a:extLst>
+                  <a:ext uri="{0D108BD9-81ED-4DB2-BD59-A6C34878D82A}">
+                    <a16:rowId xmlns:a16="http://schemas.microsoft.com/office/drawing/2014/main" val="553367153"/>
+                  </a:ext>
+                </a:extLst>
+              </a:tr>
+              <a:tr h="370840">
+                <a:tc>
+                  <a:txBody>
+                    <a:bodyPr/>
+                    <a:lstStyle/>
+                    <a:p>
+                      <a:r>
+                        <a:rPr lang="es-ES" dirty="0" err="1"/>
+                        <a:t>Database</a:t>
+                      </a:r>
+                      <a:r>
+                        <a:rPr lang="es-ES" dirty="0"/>
+                        <a:t> Servers</a:t>
+                      </a:r>
+                      <a:endParaRPr lang="en-US" dirty="0"/>
+                    </a:p>
+                  </a:txBody>
+                  <a:tcPr/>
+                </a:tc>
+                <a:tc>
+                  <a:txBody>
+                    <a:bodyPr/>
+                    <a:lstStyle/>
+                    <a:p>
+                      <a:pPr algn="r"/>
+                      <a:r>
+                        <a:rPr lang="es-ES" dirty="0"/>
+                        <a:t>6</a:t>
+                      </a:r>
+                      <a:endParaRPr lang="en-US" dirty="0"/>
+                    </a:p>
+                  </a:txBody>
+                  <a:tcPr/>
+                </a:tc>
+                <a:tc>
+                  <a:txBody>
+                    <a:bodyPr/>
+                    <a:lstStyle/>
+                    <a:p>
+                      <a:pPr algn="r"/>
+                      <a:r>
+                        <a:rPr lang="es-ES" dirty="0"/>
+                        <a:t>2</a:t>
+                      </a:r>
+                      <a:endParaRPr lang="en-US" dirty="0"/>
+                    </a:p>
+                  </a:txBody>
+                  <a:tcPr/>
+                </a:tc>
+                <a:tc>
+                  <a:txBody>
+                    <a:bodyPr/>
+                    <a:lstStyle/>
+                    <a:p>
+                      <a:pPr algn="r"/>
+                      <a:r>
+                        <a:rPr lang="es-ES" dirty="0"/>
+                        <a:t>80</a:t>
+                      </a:r>
+                      <a:endParaRPr lang="en-US" dirty="0"/>
+                    </a:p>
+                  </a:txBody>
+                  <a:tcPr/>
+                </a:tc>
+                <a:extLst>
+                  <a:ext uri="{0D108BD9-81ED-4DB2-BD59-A6C34878D82A}">
+                    <a16:rowId xmlns:a16="http://schemas.microsoft.com/office/drawing/2014/main" val="3808327390"/>
+                  </a:ext>
+                </a:extLst>
+              </a:tr>
+              <a:tr h="370840">
+                <a:tc>
+                  <a:txBody>
+                    <a:bodyPr/>
+                    <a:lstStyle/>
+                    <a:p>
+                      <a:r>
+                        <a:rPr lang="es-ES" dirty="0"/>
+                        <a:t>Data </a:t>
+                      </a:r>
+                      <a:r>
+                        <a:rPr lang="es-ES" dirty="0" err="1"/>
+                        <a:t>Collectors</a:t>
+                      </a:r>
+                      <a:endParaRPr lang="en-US" dirty="0"/>
+                    </a:p>
+                  </a:txBody>
+                  <a:tcPr/>
+                </a:tc>
+                <a:tc>
+                  <a:txBody>
+                    <a:bodyPr/>
+                    <a:lstStyle/>
+                    <a:p>
+                      <a:pPr algn="r"/>
+                      <a:r>
+                        <a:rPr lang="es-ES" dirty="0"/>
+                        <a:t>4</a:t>
+                      </a:r>
+                      <a:endParaRPr lang="en-US" dirty="0"/>
+                    </a:p>
+                  </a:txBody>
+                  <a:tcPr/>
+                </a:tc>
+                <a:tc>
+                  <a:txBody>
+                    <a:bodyPr/>
+                    <a:lstStyle/>
+                    <a:p>
+                      <a:pPr algn="r"/>
+                      <a:r>
+                        <a:rPr lang="es-ES" dirty="0"/>
+                        <a:t>2</a:t>
+                      </a:r>
+                      <a:endParaRPr lang="en-US" dirty="0"/>
+                    </a:p>
+                  </a:txBody>
+                  <a:tcPr/>
+                </a:tc>
+                <a:tc>
+                  <a:txBody>
+                    <a:bodyPr/>
+                    <a:lstStyle/>
+                    <a:p>
+                      <a:pPr algn="r"/>
+                      <a:r>
+                        <a:rPr lang="es-ES" dirty="0"/>
+                        <a:t>60</a:t>
+                      </a:r>
+                      <a:endParaRPr lang="en-US" dirty="0"/>
+                    </a:p>
+                  </a:txBody>
+                  <a:tcPr/>
+                </a:tc>
+                <a:extLst>
+                  <a:ext uri="{0D108BD9-81ED-4DB2-BD59-A6C34878D82A}">
+                    <a16:rowId xmlns:a16="http://schemas.microsoft.com/office/drawing/2014/main" val="3849714152"/>
+                  </a:ext>
+                </a:extLst>
+              </a:tr>
+              <a:tr h="370840">
+                <a:tc>
+                  <a:txBody>
+                    <a:bodyPr/>
+                    <a:lstStyle/>
+                    <a:p>
+                      <a:r>
+                        <a:rPr lang="es-ES" dirty="0" err="1"/>
+                        <a:t>Message</a:t>
+                      </a:r>
+                      <a:r>
+                        <a:rPr lang="es-ES" dirty="0"/>
+                        <a:t> </a:t>
+                      </a:r>
+                      <a:r>
+                        <a:rPr lang="es-ES" dirty="0" err="1"/>
+                        <a:t>Collectors</a:t>
+                      </a:r>
+                      <a:endParaRPr lang="en-US" dirty="0"/>
+                    </a:p>
+                  </a:txBody>
+                  <a:tcPr/>
+                </a:tc>
+                <a:tc>
+                  <a:txBody>
+                    <a:bodyPr/>
+                    <a:lstStyle/>
+                    <a:p>
+                      <a:pPr algn="r"/>
+                      <a:r>
+                        <a:rPr lang="es-ES" dirty="0"/>
+                        <a:t>6</a:t>
+                      </a:r>
+                      <a:endParaRPr lang="en-US" dirty="0"/>
+                    </a:p>
+                  </a:txBody>
+                  <a:tcPr/>
+                </a:tc>
+                <a:tc>
+                  <a:txBody>
+                    <a:bodyPr/>
+                    <a:lstStyle/>
+                    <a:p>
+                      <a:pPr algn="r"/>
+                      <a:r>
+                        <a:rPr lang="es-ES" dirty="0"/>
+                        <a:t>2</a:t>
+                      </a:r>
+                      <a:endParaRPr lang="en-US" dirty="0"/>
+                    </a:p>
+                  </a:txBody>
+                  <a:tcPr/>
+                </a:tc>
+                <a:tc>
+                  <a:txBody>
+                    <a:bodyPr/>
+                    <a:lstStyle/>
+                    <a:p>
+                      <a:pPr algn="r"/>
+                      <a:r>
+                        <a:rPr lang="es-ES" dirty="0"/>
+                        <a:t>60</a:t>
+                      </a:r>
+                      <a:endParaRPr lang="en-US" dirty="0"/>
+                    </a:p>
+                  </a:txBody>
+                  <a:tcPr/>
+                </a:tc>
+                <a:extLst>
+                  <a:ext uri="{0D108BD9-81ED-4DB2-BD59-A6C34878D82A}">
+                    <a16:rowId xmlns:a16="http://schemas.microsoft.com/office/drawing/2014/main" val="2472649902"/>
+                  </a:ext>
+                </a:extLst>
+              </a:tr>
+            </a:tbl>
+          </a:graphicData>
+        </a:graphic>
+      </p:graphicFrame>
+    </p:spTree>
+    <p:extLst>
+      <p:ext uri="{BB962C8B-B14F-4D97-AF65-F5344CB8AC3E}">
+        <p14:creationId xmlns:p14="http://schemas.microsoft.com/office/powerpoint/2010/main" val="2164749347"/>
+      </p:ext>
+    </p:extLst>
+  </p:cSld>
+  <p:clrMapOvr>
+    <a:masterClrMapping/>
+  </p:clrMapOvr>
+</p:sld>
+</file>
+
+<file path=ppt/slides/slide8.xml><?xml version="1.0" encoding="utf-8"?>
+<p:sld xmlns:a="http://schemas.openxmlformats.org/drawingml/2006/main" xmlns:r="http://schemas.openxmlformats.org/officeDocument/2006/relationships" xmlns:p="http://schemas.openxmlformats.org/presentationml/2006/main">
+  <p:cSld>
+    <p:spTree>
+      <p:nvGrpSpPr>
+        <p:cNvPr id="1" name=""/>
+        <p:cNvGrpSpPr/>
+        <p:nvPr/>
+      </p:nvGrpSpPr>
+      <p:grpSpPr>
+        <a:xfrm>
+          <a:off x="0" y="0"/>
+          <a:ext cx="0" cy="0"/>
+          <a:chOff x="0" y="0"/>
+          <a:chExt cx="0" cy="0"/>
+        </a:xfrm>
+      </p:grpSpPr>
+      <p:sp>
+        <p:nvSpPr>
+          <p:cNvPr id="2" name="Title 1">
+            <a:extLst>
+              <a:ext uri="{FF2B5EF4-FFF2-40B4-BE49-F238E27FC236}">
+                <a16:creationId xmlns:a16="http://schemas.microsoft.com/office/drawing/2014/main" id="{AA4C063E-340B-4C47-8071-FB50B1182B1E}"/>
+              </a:ext>
+            </a:extLst>
+          </p:cNvPr>
+          <p:cNvSpPr>
+            <a:spLocks noGrp="1"/>
+          </p:cNvSpPr>
+          <p:nvPr>
+            <p:ph type="title"/>
+          </p:nvPr>
+        </p:nvSpPr>
+        <p:spPr/>
+        <p:txBody>
+          <a:bodyPr/>
+          <a:lstStyle/>
+          <a:p>
+            <a:r>
+              <a:rPr lang="es-ES" dirty="0" err="1"/>
+              <a:t>Configuration</a:t>
+            </a:r>
+            <a:endParaRPr lang="en-US" dirty="0"/>
+          </a:p>
+        </p:txBody>
+      </p:sp>
+      <p:sp>
+        <p:nvSpPr>
+          <p:cNvPr id="3" name="Content Placeholder 2">
+            <a:extLst>
+              <a:ext uri="{FF2B5EF4-FFF2-40B4-BE49-F238E27FC236}">
+                <a16:creationId xmlns:a16="http://schemas.microsoft.com/office/drawing/2014/main" id="{C7EE6FD0-A817-4671-800B-2160159C7315}"/>
+              </a:ext>
+            </a:extLst>
+          </p:cNvPr>
+          <p:cNvSpPr>
+            <a:spLocks noGrp="1"/>
+          </p:cNvSpPr>
+          <p:nvPr>
+            <p:ph idx="1"/>
+          </p:nvPr>
+        </p:nvSpPr>
+        <p:spPr/>
+        <p:txBody>
+          <a:bodyPr/>
+          <a:lstStyle/>
+          <a:p>
+            <a:r>
+              <a:rPr lang="en-US" dirty="0"/>
+              <a:t>Configure Distributed system</a:t>
+            </a:r>
+          </a:p>
+          <a:p>
+            <a:r>
+              <a:rPr lang="en-US" dirty="0"/>
+              <a:t>https://ip-address-of-appliance:7700</a:t>
+            </a:r>
+          </a:p>
+          <a:p>
+            <a:endParaRPr lang="en-US" dirty="0"/>
+          </a:p>
+          <a:p>
+            <a:endParaRPr lang="en-US" dirty="0"/>
+          </a:p>
+          <a:p>
+            <a:r>
+              <a:rPr lang="en-US" dirty="0"/>
+              <a:t>In SL1</a:t>
+            </a:r>
+          </a:p>
+          <a:p>
+            <a:endParaRPr lang="en-US" dirty="0"/>
+          </a:p>
+        </p:txBody>
+      </p:sp>
+      <p:pic>
+        <p:nvPicPr>
+          <p:cNvPr id="4" name="Picture 3">
+            <a:extLst>
+              <a:ext uri="{FF2B5EF4-FFF2-40B4-BE49-F238E27FC236}">
+                <a16:creationId xmlns:a16="http://schemas.microsoft.com/office/drawing/2014/main" id="{CD818BA8-E9BF-42D7-A89E-D0FDA380538A}"/>
+              </a:ext>
+            </a:extLst>
+          </p:cNvPr>
+          <p:cNvPicPr/>
+          <p:nvPr/>
+        </p:nvPicPr>
+        <p:blipFill rotWithShape="1">
+          <a:blip r:embed="rId2"/>
+          <a:srcRect l="18954" t="6816" r="17901" b="56711"/>
+          <a:stretch/>
+        </p:blipFill>
+        <p:spPr bwMode="auto">
+          <a:xfrm>
+            <a:off x="6260782" y="2329589"/>
+            <a:ext cx="5156835" cy="1613218"/>
+          </a:xfrm>
+          <a:prstGeom prst="rect">
+            <a:avLst/>
+          </a:prstGeom>
+          <a:ln>
+            <a:noFill/>
+          </a:ln>
+          <a:extLst>
+            <a:ext uri="{53640926-AAD7-44D8-BBD7-CCE9431645EC}">
+              <a14:shadowObscured xmlns:a14="http://schemas.microsoft.com/office/drawing/2010/main"/>
+            </a:ext>
+          </a:extLst>
+        </p:spPr>
+      </p:pic>
+      <p:pic>
+        <p:nvPicPr>
+          <p:cNvPr id="5" name="Picture 4">
+            <a:extLst>
+              <a:ext uri="{FF2B5EF4-FFF2-40B4-BE49-F238E27FC236}">
+                <a16:creationId xmlns:a16="http://schemas.microsoft.com/office/drawing/2014/main" id="{F04812C6-B609-42BF-8675-4930C7F6843B}"/>
+              </a:ext>
+            </a:extLst>
+          </p:cNvPr>
+          <p:cNvPicPr/>
+          <p:nvPr/>
+        </p:nvPicPr>
+        <p:blipFill rotWithShape="1">
+          <a:blip r:embed="rId3"/>
+          <a:srcRect t="8036" b="47061"/>
+          <a:stretch/>
+        </p:blipFill>
+        <p:spPr bwMode="auto">
+          <a:xfrm>
+            <a:off x="5562600" y="4175871"/>
+            <a:ext cx="5943600" cy="1809750"/>
+          </a:xfrm>
+          <a:prstGeom prst="rect">
+            <a:avLst/>
+          </a:prstGeom>
+          <a:ln>
+            <a:noFill/>
+          </a:ln>
+          <a:extLst>
+            <a:ext uri="{53640926-AAD7-44D8-BBD7-CCE9431645EC}">
+              <a14:shadowObscured xmlns:a14="http://schemas.microsoft.com/office/drawing/2010/main"/>
+            </a:ext>
+          </a:extLst>
+        </p:spPr>
+      </p:pic>
+    </p:spTree>
+    <p:extLst>
+      <p:ext uri="{BB962C8B-B14F-4D97-AF65-F5344CB8AC3E}">
+        <p14:creationId xmlns:p14="http://schemas.microsoft.com/office/powerpoint/2010/main" val="4169083651"/>
+      </p:ext>
+    </p:extLst>
+  </p:cSld>
+  <p:clrMapOvr>
+    <a:masterClrMapping/>
+  </p:clrMapOvr>
+</p:sld>
+</file>
+
+<file path=ppt/slides/slide9.xml><?xml version="1.0" encoding="utf-8"?>
+<p:sld xmlns:a="http://schemas.openxmlformats.org/drawingml/2006/main" xmlns:r="http://schemas.openxmlformats.org/officeDocument/2006/relationships" xmlns:p="http://schemas.openxmlformats.org/presentationml/2006/main">
+  <p:cSld>
+    <p:spTree>
+      <p:nvGrpSpPr>
+        <p:cNvPr id="1" name=""/>
+        <p:cNvGrpSpPr/>
+        <p:nvPr/>
+      </p:nvGrpSpPr>
+      <p:grpSpPr>
+        <a:xfrm>
+          <a:off x="0" y="0"/>
+          <a:ext cx="0" cy="0"/>
+          <a:chOff x="0" y="0"/>
+          <a:chExt cx="0" cy="0"/>
+        </a:xfrm>
+      </p:grpSpPr>
+      <p:sp>
+        <p:nvSpPr>
+          <p:cNvPr id="2" name="Title 1">
+            <a:extLst>
+              <a:ext uri="{FF2B5EF4-FFF2-40B4-BE49-F238E27FC236}">
+                <a16:creationId xmlns:a16="http://schemas.microsoft.com/office/drawing/2014/main" id="{94F1298A-529C-4658-AD2D-F7F69063662C}"/>
+              </a:ext>
+            </a:extLst>
+          </p:cNvPr>
+          <p:cNvSpPr>
+            <a:spLocks noGrp="1"/>
+          </p:cNvSpPr>
+          <p:nvPr>
+            <p:ph type="title"/>
+          </p:nvPr>
+        </p:nvSpPr>
+        <p:spPr/>
+        <p:txBody>
+          <a:bodyPr/>
+          <a:lstStyle/>
+          <a:p>
+            <a:r>
+              <a:rPr lang="es-ES" dirty="0" err="1"/>
+              <a:t>Upgrade</a:t>
+            </a:r>
+            <a:endParaRPr lang="en-US" dirty="0"/>
+          </a:p>
+        </p:txBody>
+      </p:sp>
+      <p:sp>
+        <p:nvSpPr>
+          <p:cNvPr id="3" name="Content Placeholder 2">
+            <a:extLst>
+              <a:ext uri="{FF2B5EF4-FFF2-40B4-BE49-F238E27FC236}">
+                <a16:creationId xmlns:a16="http://schemas.microsoft.com/office/drawing/2014/main" id="{092D5987-AA5F-4BF3-954A-90C4B6901462}"/>
+              </a:ext>
+            </a:extLst>
+          </p:cNvPr>
+          <p:cNvSpPr>
+            <a:spLocks noGrp="1"/>
+          </p:cNvSpPr>
+          <p:nvPr>
+            <p:ph idx="1"/>
+          </p:nvPr>
+        </p:nvSpPr>
+        <p:spPr/>
+        <p:txBody>
+          <a:bodyPr/>
+          <a:lstStyle/>
+          <a:p>
+            <a:endParaRPr lang="en-US"/>
+          </a:p>
+        </p:txBody>
+      </p:sp>
+    </p:spTree>
+    <p:extLst>
+      <p:ext uri="{BB962C8B-B14F-4D97-AF65-F5344CB8AC3E}">
+        <p14:creationId xmlns:p14="http://schemas.microsoft.com/office/powerpoint/2010/main" val="3165296546"/>
       </p:ext>
     </p:extLst>
   </p:cSld>
